--- a/trunk/doc/sse4jt.pptx
+++ b/trunk/doc/sse4jt.pptx
@@ -4090,7 +4090,7 @@
         <p:spPr bwMode="auto">
           <a:xfrm>
             <a:off x="3492500" y="6308725"/>
-            <a:ext cx="2152650" cy="366713"/>
+            <a:ext cx="1701107" cy="369332"/>
           </a:xfrm>
           <a:prstGeom prst="rect">
             <a:avLst/>
@@ -4114,14 +4114,20 @@
               <a:defRPr/>
             </a:pPr>
             <a:r>
-              <a:rPr lang="en-US" altLang="zh-CN">
+              <a:rPr lang="en-US" altLang="zh-CN" dirty="0" smtClean="0">
                 <a:solidFill>
                   <a:schemeClr val="accent2"/>
                 </a:solidFill>
                 <a:ea typeface="宋体" pitchFamily="2" charset="-122"/>
               </a:rPr>
-              <a:t>SSE4J Tech Group</a:t>
-            </a:r>
+              <a:t>sse4j@msn.cn</a:t>
+            </a:r>
+            <a:endParaRPr lang="en-US" altLang="zh-CN" dirty="0">
+              <a:solidFill>
+                <a:schemeClr val="accent2"/>
+              </a:solidFill>
+              <a:ea typeface="宋体" pitchFamily="2" charset="-122"/>
+            </a:endParaRPr>
           </a:p>
         </p:txBody>
       </p:sp>
@@ -27774,45 +27780,8 @@
                 <a:latin typeface="宋体" charset="-122"/>
                 <a:ea typeface="宋体" charset="-122"/>
               </a:rPr>
-              <a:t>互联网或移动互联网地图</a:t>
-            </a:r>
-            <a:r>
-              <a:rPr lang="zh-CN" altLang="en-US" sz="2000" dirty="0" smtClean="0">
-                <a:solidFill>
-                  <a:srgbClr val="C00000"/>
-                </a:solidFill>
-                <a:latin typeface="宋体" charset="-122"/>
-                <a:ea typeface="宋体" charset="-122"/>
-              </a:rPr>
-              <a:t>服务的</a:t>
-            </a:r>
-            <a:r>
-              <a:rPr lang="zh-CN" altLang="en-US" sz="2000" dirty="0" smtClean="0">
-                <a:solidFill>
-                  <a:srgbClr val="C00000"/>
-                </a:solidFill>
-                <a:latin typeface="宋体" charset="-122"/>
-                <a:ea typeface="宋体" charset="-122"/>
-              </a:rPr>
-              <a:t>服务端</a:t>
-            </a:r>
-            <a:r>
-              <a:rPr lang="zh-CN" altLang="en-US" sz="2000" dirty="0" smtClean="0">
-                <a:solidFill>
-                  <a:srgbClr val="C00000"/>
-                </a:solidFill>
-                <a:latin typeface="宋体" charset="-122"/>
-                <a:ea typeface="宋体" charset="-122"/>
-              </a:rPr>
-              <a:t>技术框架</a:t>
-            </a:r>
-            <a:endParaRPr lang="zh-CN" altLang="en-US" sz="2000" dirty="0" smtClean="0">
-              <a:solidFill>
-                <a:srgbClr val="C00000"/>
-              </a:solidFill>
-              <a:latin typeface="宋体" charset="-122"/>
-              <a:ea typeface="宋体" charset="-122"/>
-            </a:endParaRPr>
+              <a:t>互联网或移动互联网地图服务的服务端技术框架</a:t>
+            </a:r>
           </a:p>
           <a:p>
             <a:pPr>
@@ -27971,26 +27940,8 @@
                 <a:latin typeface="宋体" charset="-122"/>
                 <a:ea typeface="宋体" charset="-122"/>
               </a:rPr>
-              <a:t>）针对</a:t>
-            </a:r>
-            <a:r>
-              <a:rPr lang="zh-CN" altLang="en-US" sz="2000" dirty="0" smtClean="0">
-                <a:latin typeface="宋体" charset="-122"/>
-                <a:ea typeface="宋体" charset="-122"/>
-              </a:rPr>
-              <a:t>地理信息数据源构建的垂直搜索引擎应用</a:t>
-            </a:r>
-            <a:r>
-              <a:rPr lang="zh-CN" altLang="en-US" sz="2000" dirty="0" smtClean="0">
-                <a:latin typeface="宋体" charset="-122"/>
-                <a:ea typeface="宋体" charset="-122"/>
-              </a:rPr>
-              <a:t>接口</a:t>
-            </a:r>
-            <a:endParaRPr lang="zh-CN" altLang="en-US" sz="2000" dirty="0" smtClean="0">
-              <a:latin typeface="宋体" charset="-122"/>
-              <a:ea typeface="宋体" charset="-122"/>
-            </a:endParaRPr>
+              <a:t>）针对地理信息数据源构建的垂直搜索引擎应用接口</a:t>
+            </a:r>
           </a:p>
           <a:p>
             <a:pPr>
@@ -28016,47 +27967,36 @@
                 <a:latin typeface="宋体" charset="-122"/>
                 <a:ea typeface="宋体" charset="-122"/>
               </a:rPr>
-              <a:t>）针对</a:t>
+              <a:t>）针对在线地图服务</a:t>
+            </a:r>
+            <a:r>
+              <a:rPr lang="en-US" altLang="zh-CN" sz="2000" dirty="0" smtClean="0">
+                <a:latin typeface="宋体" charset="-122"/>
+                <a:ea typeface="宋体" charset="-122"/>
+              </a:rPr>
+              <a:t>(</a:t>
             </a:r>
             <a:r>
               <a:rPr lang="zh-CN" altLang="en-US" sz="2000" dirty="0" smtClean="0">
                 <a:latin typeface="宋体" charset="-122"/>
                 <a:ea typeface="宋体" charset="-122"/>
               </a:rPr>
-              <a:t>在线地图服务</a:t>
+              <a:t>互联网或移动互联网</a:t>
             </a:r>
             <a:r>
               <a:rPr lang="en-US" altLang="zh-CN" sz="2000" dirty="0" smtClean="0">
                 <a:latin typeface="宋体" charset="-122"/>
                 <a:ea typeface="宋体" charset="-122"/>
               </a:rPr>
-              <a:t>(</a:t>
+              <a:t>)</a:t>
             </a:r>
             <a:r>
               <a:rPr lang="zh-CN" altLang="en-US" sz="2000" dirty="0" smtClean="0">
                 <a:latin typeface="宋体" charset="-122"/>
                 <a:ea typeface="宋体" charset="-122"/>
               </a:rPr>
-              <a:t>互联网或移动互联网</a:t>
-            </a:r>
-            <a:r>
-              <a:rPr lang="en-US" altLang="zh-CN" sz="2000" dirty="0" smtClean="0">
-                <a:latin typeface="宋体" charset="-122"/>
-                <a:ea typeface="宋体" charset="-122"/>
-              </a:rPr>
-              <a:t>)</a:t>
-            </a:r>
-            <a:r>
-              <a:rPr lang="zh-CN" altLang="en-US" sz="2000" dirty="0" smtClean="0">
-                <a:latin typeface="宋体" charset="-122"/>
-                <a:ea typeface="宋体" charset="-122"/>
-              </a:rPr>
               <a:t>的服务端技术框架</a:t>
             </a:r>
-            <a:endParaRPr lang="zh-CN" altLang="en-US" sz="2000" dirty="0" smtClean="0">
-              <a:latin typeface="宋体" charset="-122"/>
-              <a:ea typeface="宋体" charset="-122"/>
-            </a:endParaRPr>
           </a:p>
           <a:p>
             <a:pPr>
@@ -28201,14 +28141,7 @@
                 <a:latin typeface="宋体" charset="-122"/>
                 <a:ea typeface="宋体" charset="-122"/>
               </a:rPr>
-              <a:t>）公交</a:t>
-            </a:r>
-            <a:r>
-              <a:rPr lang="zh-CN" altLang="en-US" sz="2000" dirty="0" smtClean="0">
-                <a:latin typeface="宋体" charset="-122"/>
-                <a:ea typeface="宋体" charset="-122"/>
-              </a:rPr>
-              <a:t>换乘</a:t>
+              <a:t>）公交换乘</a:t>
             </a:r>
             <a:endParaRPr lang="en-US" altLang="zh-CN" sz="2000" dirty="0" smtClean="0">
               <a:latin typeface="宋体" charset="-122"/>
@@ -28225,14 +28158,7 @@
                 <a:latin typeface="宋体" charset="-122"/>
                 <a:ea typeface="宋体" charset="-122"/>
               </a:rPr>
-              <a:t> </a:t>
-            </a:r>
-            <a:r>
-              <a:rPr lang="zh-CN" altLang="en-US" sz="2000" dirty="0" smtClean="0">
-                <a:latin typeface="宋体" charset="-122"/>
-                <a:ea typeface="宋体" charset="-122"/>
-              </a:rPr>
-              <a:t> </a:t>
+              <a:t>  </a:t>
             </a:r>
             <a:r>
               <a:rPr lang="en-US" altLang="zh-CN" sz="2000" dirty="0" smtClean="0">

--- a/trunk/doc/sse4jt.pptx
+++ b/trunk/doc/sse4jt.pptx
@@ -268,7 +268,7 @@
               <a:pPr>
                 <a:defRPr/>
               </a:pPr>
-              <a:t>9/2/2011</a:t>
+              <a:t>10/11/2011</a:t>
             </a:fld>
             <a:endParaRPr lang="en-US" altLang="zh-CN"/>
           </a:p>
@@ -1097,7 +1097,7 @@
               <a:pPr>
                 <a:defRPr/>
               </a:pPr>
-              <a:t>9/2/2011</a:t>
+              <a:t>10/11/2011</a:t>
             </a:fld>
             <a:endParaRPr lang="en-US" altLang="zh-CN"/>
           </a:p>
@@ -1289,7 +1289,7 @@
               <a:pPr>
                 <a:defRPr/>
               </a:pPr>
-              <a:t>9/2/2011</a:t>
+              <a:t>10/11/2011</a:t>
             </a:fld>
             <a:endParaRPr lang="en-US" altLang="zh-CN"/>
           </a:p>
@@ -1491,7 +1491,7 @@
               <a:pPr>
                 <a:defRPr/>
               </a:pPr>
-              <a:t>9/2/2011</a:t>
+              <a:t>10/11/2011</a:t>
             </a:fld>
             <a:endParaRPr lang="en-US" altLang="zh-CN"/>
           </a:p>
@@ -1661,7 +1661,7 @@
               <a:pPr>
                 <a:defRPr/>
               </a:pPr>
-              <a:t>9/2/2011</a:t>
+              <a:t>10/11/2011</a:t>
             </a:fld>
             <a:endParaRPr lang="en-US" altLang="zh-CN"/>
           </a:p>
@@ -1853,7 +1853,7 @@
               <a:pPr>
                 <a:defRPr/>
               </a:pPr>
-              <a:t>9/2/2011</a:t>
+              <a:t>10/11/2011</a:t>
             </a:fld>
             <a:endParaRPr lang="en-US" altLang="zh-CN"/>
           </a:p>
@@ -2121,7 +2121,7 @@
               <a:pPr>
                 <a:defRPr/>
               </a:pPr>
-              <a:t>9/2/2011</a:t>
+              <a:t>10/11/2011</a:t>
             </a:fld>
             <a:endParaRPr lang="en-US" altLang="zh-CN"/>
           </a:p>
@@ -2431,7 +2431,7 @@
               <a:pPr>
                 <a:defRPr/>
               </a:pPr>
-              <a:t>9/2/2011</a:t>
+              <a:t>10/11/2011</a:t>
             </a:fld>
             <a:endParaRPr lang="en-US" altLang="zh-CN"/>
           </a:p>
@@ -2887,7 +2887,7 @@
               <a:pPr>
                 <a:defRPr/>
               </a:pPr>
-              <a:t>9/2/2011</a:t>
+              <a:t>10/11/2011</a:t>
             </a:fld>
             <a:endParaRPr lang="en-US" altLang="zh-CN"/>
           </a:p>
@@ -3027,7 +3027,7 @@
               <a:pPr>
                 <a:defRPr/>
               </a:pPr>
-              <a:t>9/2/2011</a:t>
+              <a:t>10/11/2011</a:t>
             </a:fld>
             <a:endParaRPr lang="en-US" altLang="zh-CN"/>
           </a:p>
@@ -3144,7 +3144,7 @@
               <a:pPr>
                 <a:defRPr/>
               </a:pPr>
-              <a:t>9/2/2011</a:t>
+              <a:t>10/11/2011</a:t>
             </a:fld>
             <a:endParaRPr lang="en-US" altLang="zh-CN"/>
           </a:p>
@@ -3443,7 +3443,7 @@
               <a:pPr>
                 <a:defRPr/>
               </a:pPr>
-              <a:t>9/2/2011</a:t>
+              <a:t>10/11/2011</a:t>
             </a:fld>
             <a:endParaRPr lang="en-US" altLang="zh-CN"/>
           </a:p>
@@ -3725,7 +3725,7 @@
               <a:pPr>
                 <a:defRPr/>
               </a:pPr>
-              <a:t>9/2/2011</a:t>
+              <a:t>10/11/2011</a:t>
             </a:fld>
             <a:endParaRPr lang="en-US" altLang="zh-CN"/>
           </a:p>
@@ -3978,7 +3978,7 @@
               <a:pPr>
                 <a:defRPr/>
               </a:pPr>
-              <a:t>9/2/2011</a:t>
+              <a:t>10/11/2011</a:t>
             </a:fld>
             <a:endParaRPr lang="en-US" altLang="zh-CN"/>
           </a:p>
@@ -25839,18 +25839,7 @@
                 <a:ea typeface="宋体" pitchFamily="2" charset="-122"/>
                 <a:cs typeface="Arial" pitchFamily="34" charset="0"/>
               </a:rPr>
-              <a:t>目录下数据为</a:t>
-            </a:r>
-            <a:r>
-              <a:rPr lang="en-US" altLang="zh-CN" dirty="0" err="1" smtClean="0">
-                <a:solidFill>
-                  <a:srgbClr val="C00000"/>
-                </a:solidFill>
-                <a:latin typeface="宋体" pitchFamily="2" charset="-122"/>
-                <a:ea typeface="宋体" pitchFamily="2" charset="-122"/>
-                <a:cs typeface="Arial" pitchFamily="34" charset="0"/>
-              </a:rPr>
-              <a:t>Lucene</a:t>
+              <a:t>目录数据限于</a:t>
             </a:r>
             <a:r>
               <a:rPr lang="zh-CN" altLang="en-US" dirty="0" smtClean="0">
@@ -25861,7 +25850,7 @@
                 <a:ea typeface="宋体" pitchFamily="2" charset="-122"/>
                 <a:cs typeface="Arial" pitchFamily="34" charset="0"/>
               </a:rPr>
-              <a:t>索引格式的数据，限于学习研究使用。</a:t>
+              <a:t>学习研究使用。</a:t>
             </a:r>
             <a:endParaRPr lang="en-US" altLang="zh-CN" dirty="0" smtClean="0">
               <a:solidFill>

--- a/trunk/doc/sse4jt.pptx
+++ b/trunk/doc/sse4jt.pptx
@@ -268,7 +268,7 @@
               <a:pPr>
                 <a:defRPr/>
               </a:pPr>
-              <a:t>10/11/2011</a:t>
+              <a:t>11/21/2011</a:t>
             </a:fld>
             <a:endParaRPr lang="en-US" altLang="zh-CN"/>
           </a:p>
@@ -1097,7 +1097,7 @@
               <a:pPr>
                 <a:defRPr/>
               </a:pPr>
-              <a:t>10/11/2011</a:t>
+              <a:t>11/21/2011</a:t>
             </a:fld>
             <a:endParaRPr lang="en-US" altLang="zh-CN"/>
           </a:p>
@@ -1289,7 +1289,7 @@
               <a:pPr>
                 <a:defRPr/>
               </a:pPr>
-              <a:t>10/11/2011</a:t>
+              <a:t>11/21/2011</a:t>
             </a:fld>
             <a:endParaRPr lang="en-US" altLang="zh-CN"/>
           </a:p>
@@ -1491,7 +1491,7 @@
               <a:pPr>
                 <a:defRPr/>
               </a:pPr>
-              <a:t>10/11/2011</a:t>
+              <a:t>11/21/2011</a:t>
             </a:fld>
             <a:endParaRPr lang="en-US" altLang="zh-CN"/>
           </a:p>
@@ -1661,7 +1661,7 @@
               <a:pPr>
                 <a:defRPr/>
               </a:pPr>
-              <a:t>10/11/2011</a:t>
+              <a:t>11/21/2011</a:t>
             </a:fld>
             <a:endParaRPr lang="en-US" altLang="zh-CN"/>
           </a:p>
@@ -1853,7 +1853,7 @@
               <a:pPr>
                 <a:defRPr/>
               </a:pPr>
-              <a:t>10/11/2011</a:t>
+              <a:t>11/21/2011</a:t>
             </a:fld>
             <a:endParaRPr lang="en-US" altLang="zh-CN"/>
           </a:p>
@@ -2121,7 +2121,7 @@
               <a:pPr>
                 <a:defRPr/>
               </a:pPr>
-              <a:t>10/11/2011</a:t>
+              <a:t>11/21/2011</a:t>
             </a:fld>
             <a:endParaRPr lang="en-US" altLang="zh-CN"/>
           </a:p>
@@ -2431,7 +2431,7 @@
               <a:pPr>
                 <a:defRPr/>
               </a:pPr>
-              <a:t>10/11/2011</a:t>
+              <a:t>11/21/2011</a:t>
             </a:fld>
             <a:endParaRPr lang="en-US" altLang="zh-CN"/>
           </a:p>
@@ -2887,7 +2887,7 @@
               <a:pPr>
                 <a:defRPr/>
               </a:pPr>
-              <a:t>10/11/2011</a:t>
+              <a:t>11/21/2011</a:t>
             </a:fld>
             <a:endParaRPr lang="en-US" altLang="zh-CN"/>
           </a:p>
@@ -3027,7 +3027,7 @@
               <a:pPr>
                 <a:defRPr/>
               </a:pPr>
-              <a:t>10/11/2011</a:t>
+              <a:t>11/21/2011</a:t>
             </a:fld>
             <a:endParaRPr lang="en-US" altLang="zh-CN"/>
           </a:p>
@@ -3144,7 +3144,7 @@
               <a:pPr>
                 <a:defRPr/>
               </a:pPr>
-              <a:t>10/11/2011</a:t>
+              <a:t>11/21/2011</a:t>
             </a:fld>
             <a:endParaRPr lang="en-US" altLang="zh-CN"/>
           </a:p>
@@ -3443,7 +3443,7 @@
               <a:pPr>
                 <a:defRPr/>
               </a:pPr>
-              <a:t>10/11/2011</a:t>
+              <a:t>11/21/2011</a:t>
             </a:fld>
             <a:endParaRPr lang="en-US" altLang="zh-CN"/>
           </a:p>
@@ -3725,7 +3725,7 @@
               <a:pPr>
                 <a:defRPr/>
               </a:pPr>
-              <a:t>10/11/2011</a:t>
+              <a:t>11/21/2011</a:t>
             </a:fld>
             <a:endParaRPr lang="en-US" altLang="zh-CN"/>
           </a:p>
@@ -3978,7 +3978,7 @@
               <a:pPr>
                 <a:defRPr/>
               </a:pPr>
-              <a:t>10/11/2011</a:t>
+              <a:t>11/21/2011</a:t>
             </a:fld>
             <a:endParaRPr lang="en-US" altLang="zh-CN"/>
           </a:p>
@@ -4756,7 +4756,7 @@
         </p:nvGraphicFramePr>
         <p:xfrm>
           <a:off x="611188" y="1600200"/>
-          <a:ext cx="7777162" cy="1280160"/>
+          <a:ext cx="7777162" cy="1889760"/>
         </p:xfrm>
         <a:graphic>
           <a:graphicData uri="http://schemas.openxmlformats.org/drawingml/2006/table">
@@ -4790,7 +4790,7 @@
                         <a:tabLst/>
                       </a:pPr>
                       <a:r>
-                        <a:rPr kumimoji="0" lang="zh-CN" altLang="en-US" sz="1800" b="1" i="0" u="none" strike="noStrike" cap="none" normalizeH="0" baseline="0" smtClean="0">
+                        <a:rPr kumimoji="0" lang="zh-CN" altLang="en-US" sz="1800" b="1" i="0" u="none" strike="noStrike" cap="none" normalizeH="0" baseline="0" dirty="0" smtClean="0">
                           <a:ln>
                             <a:noFill/>
                           </a:ln>
@@ -5577,7 +5577,7 @@
                         <a:tabLst/>
                       </a:pPr>
                       <a:r>
-                        <a:rPr kumimoji="0" lang="en-US" altLang="zh-CN" sz="1400" b="0" i="1" u="none" strike="noStrike" cap="none" normalizeH="0" baseline="0" smtClean="0">
+                        <a:rPr kumimoji="0" lang="en-US" altLang="zh-CN" sz="1400" b="0" i="1" u="none" strike="noStrike" cap="none" normalizeH="0" baseline="0" dirty="0" smtClean="0">
                           <a:ln>
                             <a:noFill/>
                           </a:ln>
@@ -5747,20 +5747,528 @@
                         <a:tabLst/>
                       </a:pPr>
                       <a:r>
-                        <a:rPr kumimoji="0" lang="en-US" altLang="zh-CN" sz="1400" b="0" i="0" u="none" strike="noStrike" cap="none" normalizeH="0" baseline="0" smtClean="0">
-                          <a:ln>
-                            <a:noFill/>
-                          </a:ln>
-                          <a:solidFill>
-                            <a:srgbClr val="000000"/>
-                          </a:solidFill>
-                          <a:effectLst/>
-                          <a:latin typeface="Arial" charset="0"/>
-                          <a:ea typeface="华文新魏" pitchFamily="2" charset="-122"/>
-                        </a:rPr>
-                        <a:t>WKT()</a:t>
-                      </a:r>
-                      <a:endParaRPr kumimoji="0" lang="zh-CN" altLang="en-US" sz="1400" b="0" i="0" u="none" strike="noStrike" cap="none" normalizeH="0" baseline="0" smtClean="0">
+                        <a:rPr kumimoji="0" lang="en-US" altLang="zh-CN" sz="1400" b="0" i="0" u="none" strike="noStrike" cap="none" normalizeH="0" baseline="0" dirty="0" smtClean="0">
+                          <a:ln>
+                            <a:noFill/>
+                          </a:ln>
+                          <a:solidFill>
+                            <a:srgbClr val="000000"/>
+                          </a:solidFill>
+                          <a:effectLst/>
+                          <a:latin typeface="Arial" charset="0"/>
+                          <a:ea typeface="华文新魏" pitchFamily="2" charset="-122"/>
+                        </a:rPr>
+                        <a:t>WKT() </a:t>
+                      </a:r>
+                      <a:endParaRPr kumimoji="0" lang="zh-CN" altLang="en-US" sz="1400" b="0" i="0" u="none" strike="noStrike" cap="none" normalizeH="0" baseline="0" dirty="0" smtClean="0">
+                        <a:ln>
+                          <a:noFill/>
+                        </a:ln>
+                        <a:solidFill>
+                          <a:srgbClr val="000000"/>
+                        </a:solidFill>
+                        <a:effectLst/>
+                        <a:latin typeface="Arial" charset="0"/>
+                        <a:ea typeface="华文新魏" pitchFamily="2" charset="-122"/>
+                      </a:endParaRPr>
+                    </a:p>
+                  </a:txBody>
+                  <a:tcPr horzOverflow="overflow">
+                    <a:lnL w="12700" cap="flat" cmpd="sng" algn="ctr">
+                      <a:solidFill>
+                        <a:schemeClr val="bg1"/>
+                      </a:solidFill>
+                      <a:prstDash val="solid"/>
+                      <a:round/>
+                      <a:headEnd type="none" w="med" len="med"/>
+                      <a:tailEnd type="none" w="med" len="med"/>
+                    </a:lnL>
+                    <a:lnR w="12700" cap="flat" cmpd="sng" algn="ctr">
+                      <a:solidFill>
+                        <a:schemeClr val="bg1"/>
+                      </a:solidFill>
+                      <a:prstDash val="solid"/>
+                      <a:round/>
+                      <a:headEnd type="none" w="med" len="med"/>
+                      <a:tailEnd type="none" w="med" len="med"/>
+                    </a:lnR>
+                    <a:lnT w="12700" cap="flat" cmpd="sng" algn="ctr">
+                      <a:solidFill>
+                        <a:schemeClr val="bg1"/>
+                      </a:solidFill>
+                      <a:prstDash val="solid"/>
+                      <a:round/>
+                      <a:headEnd type="none" w="med" len="med"/>
+                      <a:tailEnd type="none" w="med" len="med"/>
+                    </a:lnT>
+                    <a:lnB w="12700" cap="flat" cmpd="sng" algn="ctr">
+                      <a:solidFill>
+                        <a:schemeClr val="bg1"/>
+                      </a:solidFill>
+                      <a:prstDash val="solid"/>
+                      <a:round/>
+                      <a:headEnd type="none" w="med" len="med"/>
+                      <a:tailEnd type="none" w="med" len="med"/>
+                    </a:lnB>
+                    <a:lnTlToBr>
+                      <a:noFill/>
+                    </a:lnTlToBr>
+                    <a:lnBlToTr>
+                      <a:noFill/>
+                    </a:lnBlToTr>
+                    <a:solidFill>
+                      <a:srgbClr val="F9D8CC"/>
+                    </a:solidFill>
+                  </a:tcPr>
+                </a:tc>
+              </a:tr>
+              <a:tr h="180975">
+                <a:tc>
+                  <a:txBody>
+                    <a:bodyPr/>
+                    <a:lstStyle/>
+                    <a:p>
+                      <a:pPr marL="0" marR="0" lvl="0" indent="0" algn="l" defTabSz="914400" rtl="0" eaLnBrk="1" fontAlgn="base" latinLnBrk="0" hangingPunct="1">
+                        <a:lnSpc>
+                          <a:spcPct val="100000"/>
+                        </a:lnSpc>
+                        <a:spcBef>
+                          <a:spcPct val="0"/>
+                        </a:spcBef>
+                        <a:spcAft>
+                          <a:spcPct val="0"/>
+                        </a:spcAft>
+                        <a:buClrTx/>
+                        <a:buSzTx/>
+                        <a:buFontTx/>
+                        <a:buNone/>
+                        <a:tabLst/>
+                      </a:pPr>
+                      <a:r>
+                        <a:rPr kumimoji="0" lang="en-US" altLang="zh-CN" sz="1400" b="0" i="1" u="none" strike="noStrike" cap="none" normalizeH="0" baseline="0" dirty="0" smtClean="0">
+                          <a:ln>
+                            <a:noFill/>
+                          </a:ln>
+                          <a:solidFill>
+                            <a:srgbClr val="000000"/>
+                          </a:solidFill>
+                          <a:effectLst/>
+                          <a:latin typeface="Arial" charset="0"/>
+                          <a:ea typeface="华文新魏" pitchFamily="2" charset="-122"/>
+                        </a:rPr>
+                        <a:t>CENX</a:t>
+                      </a:r>
+                    </a:p>
+                  </a:txBody>
+                  <a:tcPr horzOverflow="overflow">
+                    <a:lnL w="12700" cap="flat" cmpd="sng" algn="ctr">
+                      <a:solidFill>
+                        <a:schemeClr val="bg1"/>
+                      </a:solidFill>
+                      <a:prstDash val="solid"/>
+                      <a:round/>
+                      <a:headEnd type="none" w="med" len="med"/>
+                      <a:tailEnd type="none" w="med" len="med"/>
+                    </a:lnL>
+                    <a:lnR w="12700" cap="flat" cmpd="sng" algn="ctr">
+                      <a:solidFill>
+                        <a:schemeClr val="bg1"/>
+                      </a:solidFill>
+                      <a:prstDash val="solid"/>
+                      <a:round/>
+                      <a:headEnd type="none" w="med" len="med"/>
+                      <a:tailEnd type="none" w="med" len="med"/>
+                    </a:lnR>
+                    <a:lnT w="12700" cap="flat" cmpd="sng" algn="ctr">
+                      <a:solidFill>
+                        <a:schemeClr val="bg1"/>
+                      </a:solidFill>
+                      <a:prstDash val="solid"/>
+                      <a:round/>
+                      <a:headEnd type="none" w="med" len="med"/>
+                      <a:tailEnd type="none" w="med" len="med"/>
+                    </a:lnT>
+                    <a:lnB w="12700" cap="flat" cmpd="sng" algn="ctr">
+                      <a:solidFill>
+                        <a:schemeClr val="bg1"/>
+                      </a:solidFill>
+                      <a:prstDash val="solid"/>
+                      <a:round/>
+                      <a:headEnd type="none" w="med" len="med"/>
+                      <a:tailEnd type="none" w="med" len="med"/>
+                    </a:lnB>
+                    <a:lnTlToBr>
+                      <a:noFill/>
+                    </a:lnTlToBr>
+                    <a:lnBlToTr>
+                      <a:noFill/>
+                    </a:lnBlToTr>
+                    <a:solidFill>
+                      <a:srgbClr val="F9D8CC"/>
+                    </a:solidFill>
+                  </a:tcPr>
+                </a:tc>
+                <a:tc>
+                  <a:txBody>
+                    <a:bodyPr/>
+                    <a:lstStyle/>
+                    <a:p>
+                      <a:pPr marL="0" marR="0" lvl="0" indent="0" algn="l" defTabSz="914400" rtl="0" eaLnBrk="1" fontAlgn="base" latinLnBrk="0" hangingPunct="1">
+                        <a:lnSpc>
+                          <a:spcPct val="100000"/>
+                        </a:lnSpc>
+                        <a:spcBef>
+                          <a:spcPct val="0"/>
+                        </a:spcBef>
+                        <a:spcAft>
+                          <a:spcPct val="0"/>
+                        </a:spcAft>
+                        <a:buClrTx/>
+                        <a:buSzTx/>
+                        <a:buFontTx/>
+                        <a:buNone/>
+                        <a:tabLst/>
+                      </a:pPr>
+                      <a:r>
+                        <a:rPr kumimoji="0" lang="zh-CN" altLang="en-US" sz="1400" b="0" i="0" u="none" strike="noStrike" cap="none" normalizeH="0" baseline="0" dirty="0" smtClean="0">
+                          <a:ln>
+                            <a:noFill/>
+                          </a:ln>
+                          <a:solidFill>
+                            <a:srgbClr val="000000"/>
+                          </a:solidFill>
+                          <a:effectLst/>
+                          <a:latin typeface="Constantia" pitchFamily="18" charset="0"/>
+                          <a:ea typeface="华文新魏" pitchFamily="2" charset="-122"/>
+                        </a:rPr>
+                        <a:t>经度投影值</a:t>
+                      </a:r>
+                    </a:p>
+                  </a:txBody>
+                  <a:tcPr horzOverflow="overflow">
+                    <a:lnL w="12700" cap="flat" cmpd="sng" algn="ctr">
+                      <a:solidFill>
+                        <a:schemeClr val="bg1"/>
+                      </a:solidFill>
+                      <a:prstDash val="solid"/>
+                      <a:round/>
+                      <a:headEnd type="none" w="med" len="med"/>
+                      <a:tailEnd type="none" w="med" len="med"/>
+                    </a:lnL>
+                    <a:lnR w="12700" cap="flat" cmpd="sng" algn="ctr">
+                      <a:solidFill>
+                        <a:schemeClr val="bg1"/>
+                      </a:solidFill>
+                      <a:prstDash val="solid"/>
+                      <a:round/>
+                      <a:headEnd type="none" w="med" len="med"/>
+                      <a:tailEnd type="none" w="med" len="med"/>
+                    </a:lnR>
+                    <a:lnT w="12700" cap="flat" cmpd="sng" algn="ctr">
+                      <a:solidFill>
+                        <a:schemeClr val="bg1"/>
+                      </a:solidFill>
+                      <a:prstDash val="solid"/>
+                      <a:round/>
+                      <a:headEnd type="none" w="med" len="med"/>
+                      <a:tailEnd type="none" w="med" len="med"/>
+                    </a:lnT>
+                    <a:lnB w="12700" cap="flat" cmpd="sng" algn="ctr">
+                      <a:solidFill>
+                        <a:schemeClr val="bg1"/>
+                      </a:solidFill>
+                      <a:prstDash val="solid"/>
+                      <a:round/>
+                      <a:headEnd type="none" w="med" len="med"/>
+                      <a:tailEnd type="none" w="med" len="med"/>
+                    </a:lnB>
+                    <a:lnTlToBr>
+                      <a:noFill/>
+                    </a:lnTlToBr>
+                    <a:lnBlToTr>
+                      <a:noFill/>
+                    </a:lnBlToTr>
+                    <a:solidFill>
+                      <a:srgbClr val="F9D8CC"/>
+                    </a:solidFill>
+                  </a:tcPr>
+                </a:tc>
+                <a:tc>
+                  <a:txBody>
+                    <a:bodyPr/>
+                    <a:lstStyle/>
+                    <a:p>
+                      <a:pPr marL="0" marR="0" lvl="0" indent="0" algn="l" defTabSz="914400" rtl="0" eaLnBrk="1" fontAlgn="base" latinLnBrk="0" hangingPunct="1">
+                        <a:lnSpc>
+                          <a:spcPct val="100000"/>
+                        </a:lnSpc>
+                        <a:spcBef>
+                          <a:spcPct val="0"/>
+                        </a:spcBef>
+                        <a:spcAft>
+                          <a:spcPct val="0"/>
+                        </a:spcAft>
+                        <a:buClrTx/>
+                        <a:buSzTx/>
+                        <a:buFontTx/>
+                        <a:buNone/>
+                        <a:tabLst/>
+                      </a:pPr>
+                      <a:endParaRPr kumimoji="0" lang="zh-CN" altLang="en-US" sz="1400" b="0" i="0" u="none" strike="noStrike" cap="none" normalizeH="0" baseline="0" dirty="0" smtClean="0">
+                        <a:ln>
+                          <a:noFill/>
+                        </a:ln>
+                        <a:solidFill>
+                          <a:srgbClr val="000000"/>
+                        </a:solidFill>
+                        <a:effectLst/>
+                        <a:latin typeface="Arial" charset="0"/>
+                        <a:ea typeface="华文新魏" pitchFamily="2" charset="-122"/>
+                      </a:endParaRPr>
+                    </a:p>
+                  </a:txBody>
+                  <a:tcPr horzOverflow="overflow">
+                    <a:lnL w="12700" cap="flat" cmpd="sng" algn="ctr">
+                      <a:solidFill>
+                        <a:schemeClr val="bg1"/>
+                      </a:solidFill>
+                      <a:prstDash val="solid"/>
+                      <a:round/>
+                      <a:headEnd type="none" w="med" len="med"/>
+                      <a:tailEnd type="none" w="med" len="med"/>
+                    </a:lnL>
+                    <a:lnR w="12700" cap="flat" cmpd="sng" algn="ctr">
+                      <a:solidFill>
+                        <a:schemeClr val="bg1"/>
+                      </a:solidFill>
+                      <a:prstDash val="solid"/>
+                      <a:round/>
+                      <a:headEnd type="none" w="med" len="med"/>
+                      <a:tailEnd type="none" w="med" len="med"/>
+                    </a:lnR>
+                    <a:lnT w="12700" cap="flat" cmpd="sng" algn="ctr">
+                      <a:solidFill>
+                        <a:schemeClr val="bg1"/>
+                      </a:solidFill>
+                      <a:prstDash val="solid"/>
+                      <a:round/>
+                      <a:headEnd type="none" w="med" len="med"/>
+                      <a:tailEnd type="none" w="med" len="med"/>
+                    </a:lnT>
+                    <a:lnB w="12700" cap="flat" cmpd="sng" algn="ctr">
+                      <a:solidFill>
+                        <a:schemeClr val="bg1"/>
+                      </a:solidFill>
+                      <a:prstDash val="solid"/>
+                      <a:round/>
+                      <a:headEnd type="none" w="med" len="med"/>
+                      <a:tailEnd type="none" w="med" len="med"/>
+                    </a:lnB>
+                    <a:lnTlToBr>
+                      <a:noFill/>
+                    </a:lnTlToBr>
+                    <a:lnBlToTr>
+                      <a:noFill/>
+                    </a:lnBlToTr>
+                    <a:solidFill>
+                      <a:srgbClr val="F9D8CC"/>
+                    </a:solidFill>
+                  </a:tcPr>
+                </a:tc>
+              </a:tr>
+              <a:tr h="180975">
+                <a:tc>
+                  <a:txBody>
+                    <a:bodyPr/>
+                    <a:lstStyle/>
+                    <a:p>
+                      <a:pPr marL="0" marR="0" lvl="0" indent="0" algn="l" defTabSz="914400" rtl="0" eaLnBrk="1" fontAlgn="base" latinLnBrk="0" hangingPunct="1">
+                        <a:lnSpc>
+                          <a:spcPct val="100000"/>
+                        </a:lnSpc>
+                        <a:spcBef>
+                          <a:spcPct val="0"/>
+                        </a:spcBef>
+                        <a:spcAft>
+                          <a:spcPct val="0"/>
+                        </a:spcAft>
+                        <a:buClrTx/>
+                        <a:buSzTx/>
+                        <a:buFontTx/>
+                        <a:buNone/>
+                        <a:tabLst/>
+                      </a:pPr>
+                      <a:r>
+                        <a:rPr kumimoji="0" lang="en-US" altLang="zh-CN" sz="1400" b="0" i="1" u="none" strike="noStrike" cap="none" normalizeH="0" baseline="0" dirty="0" smtClean="0">
+                          <a:ln>
+                            <a:noFill/>
+                          </a:ln>
+                          <a:solidFill>
+                            <a:srgbClr val="000000"/>
+                          </a:solidFill>
+                          <a:effectLst/>
+                          <a:latin typeface="Arial" charset="0"/>
+                          <a:ea typeface="华文新魏" pitchFamily="2" charset="-122"/>
+                        </a:rPr>
+                        <a:t>CENY</a:t>
+                      </a:r>
+                    </a:p>
+                  </a:txBody>
+                  <a:tcPr horzOverflow="overflow">
+                    <a:lnL w="12700" cap="flat" cmpd="sng" algn="ctr">
+                      <a:solidFill>
+                        <a:schemeClr val="bg1"/>
+                      </a:solidFill>
+                      <a:prstDash val="solid"/>
+                      <a:round/>
+                      <a:headEnd type="none" w="med" len="med"/>
+                      <a:tailEnd type="none" w="med" len="med"/>
+                    </a:lnL>
+                    <a:lnR w="12700" cap="flat" cmpd="sng" algn="ctr">
+                      <a:solidFill>
+                        <a:schemeClr val="bg1"/>
+                      </a:solidFill>
+                      <a:prstDash val="solid"/>
+                      <a:round/>
+                      <a:headEnd type="none" w="med" len="med"/>
+                      <a:tailEnd type="none" w="med" len="med"/>
+                    </a:lnR>
+                    <a:lnT w="12700" cap="flat" cmpd="sng" algn="ctr">
+                      <a:solidFill>
+                        <a:schemeClr val="bg1"/>
+                      </a:solidFill>
+                      <a:prstDash val="solid"/>
+                      <a:round/>
+                      <a:headEnd type="none" w="med" len="med"/>
+                      <a:tailEnd type="none" w="med" len="med"/>
+                    </a:lnT>
+                    <a:lnB w="12700" cap="flat" cmpd="sng" algn="ctr">
+                      <a:solidFill>
+                        <a:schemeClr val="bg1"/>
+                      </a:solidFill>
+                      <a:prstDash val="solid"/>
+                      <a:round/>
+                      <a:headEnd type="none" w="med" len="med"/>
+                      <a:tailEnd type="none" w="med" len="med"/>
+                    </a:lnB>
+                    <a:lnTlToBr>
+                      <a:noFill/>
+                    </a:lnTlToBr>
+                    <a:lnBlToTr>
+                      <a:noFill/>
+                    </a:lnBlToTr>
+                    <a:solidFill>
+                      <a:srgbClr val="F9D8CC"/>
+                    </a:solidFill>
+                  </a:tcPr>
+                </a:tc>
+                <a:tc>
+                  <a:txBody>
+                    <a:bodyPr/>
+                    <a:lstStyle/>
+                    <a:p>
+                      <a:pPr marL="0" marR="0" lvl="0" indent="0" algn="l" defTabSz="914400" rtl="0" eaLnBrk="1" fontAlgn="base" latinLnBrk="0" hangingPunct="1">
+                        <a:lnSpc>
+                          <a:spcPct val="100000"/>
+                        </a:lnSpc>
+                        <a:spcBef>
+                          <a:spcPct val="0"/>
+                        </a:spcBef>
+                        <a:spcAft>
+                          <a:spcPct val="0"/>
+                        </a:spcAft>
+                        <a:buClrTx/>
+                        <a:buSzTx/>
+                        <a:buFontTx/>
+                        <a:buNone/>
+                        <a:tabLst/>
+                      </a:pPr>
+                      <a:r>
+                        <a:rPr kumimoji="0" lang="zh-CN" altLang="en-US" sz="1400" b="0" i="0" u="none" strike="noStrike" cap="none" normalizeH="0" baseline="0" dirty="0" smtClean="0">
+                          <a:ln>
+                            <a:noFill/>
+                          </a:ln>
+                          <a:solidFill>
+                            <a:srgbClr val="000000"/>
+                          </a:solidFill>
+                          <a:effectLst/>
+                          <a:latin typeface="Constantia" pitchFamily="18" charset="0"/>
+                          <a:ea typeface="华文新魏" pitchFamily="2" charset="-122"/>
+                        </a:rPr>
+                        <a:t>纬度投影值</a:t>
+                      </a:r>
+                    </a:p>
+                  </a:txBody>
+                  <a:tcPr horzOverflow="overflow">
+                    <a:lnL w="12700" cap="flat" cmpd="sng" algn="ctr">
+                      <a:solidFill>
+                        <a:schemeClr val="bg1"/>
+                      </a:solidFill>
+                      <a:prstDash val="solid"/>
+                      <a:round/>
+                      <a:headEnd type="none" w="med" len="med"/>
+                      <a:tailEnd type="none" w="med" len="med"/>
+                    </a:lnL>
+                    <a:lnR w="12700" cap="flat" cmpd="sng" algn="ctr">
+                      <a:solidFill>
+                        <a:schemeClr val="bg1"/>
+                      </a:solidFill>
+                      <a:prstDash val="solid"/>
+                      <a:round/>
+                      <a:headEnd type="none" w="med" len="med"/>
+                      <a:tailEnd type="none" w="med" len="med"/>
+                    </a:lnR>
+                    <a:lnT w="12700" cap="flat" cmpd="sng" algn="ctr">
+                      <a:solidFill>
+                        <a:schemeClr val="bg1"/>
+                      </a:solidFill>
+                      <a:prstDash val="solid"/>
+                      <a:round/>
+                      <a:headEnd type="none" w="med" len="med"/>
+                      <a:tailEnd type="none" w="med" len="med"/>
+                    </a:lnT>
+                    <a:lnB w="12700" cap="flat" cmpd="sng" algn="ctr">
+                      <a:solidFill>
+                        <a:schemeClr val="bg1"/>
+                      </a:solidFill>
+                      <a:prstDash val="solid"/>
+                      <a:round/>
+                      <a:headEnd type="none" w="med" len="med"/>
+                      <a:tailEnd type="none" w="med" len="med"/>
+                    </a:lnB>
+                    <a:lnTlToBr>
+                      <a:noFill/>
+                    </a:lnTlToBr>
+                    <a:lnBlToTr>
+                      <a:noFill/>
+                    </a:lnBlToTr>
+                    <a:solidFill>
+                      <a:srgbClr val="F9D8CC"/>
+                    </a:solidFill>
+                  </a:tcPr>
+                </a:tc>
+                <a:tc>
+                  <a:txBody>
+                    <a:bodyPr/>
+                    <a:lstStyle/>
+                    <a:p>
+                      <a:pPr marL="0" marR="0" lvl="0" indent="0" algn="l" defTabSz="914400" rtl="0" eaLnBrk="1" fontAlgn="base" latinLnBrk="0" hangingPunct="1">
+                        <a:lnSpc>
+                          <a:spcPct val="100000"/>
+                        </a:lnSpc>
+                        <a:spcBef>
+                          <a:spcPct val="0"/>
+                        </a:spcBef>
+                        <a:spcAft>
+                          <a:spcPct val="0"/>
+                        </a:spcAft>
+                        <a:buClrTx/>
+                        <a:buSzTx/>
+                        <a:buFontTx/>
+                        <a:buNone/>
+                        <a:tabLst/>
+                      </a:pPr>
+                      <a:endParaRPr kumimoji="0" lang="zh-CN" altLang="en-US" sz="1400" b="0" i="0" u="none" strike="noStrike" cap="none" normalizeH="0" baseline="0" dirty="0" smtClean="0">
                         <a:ln>
                           <a:noFill/>
                         </a:ln>
@@ -5836,8 +6344,8 @@
         </p:nvSpPr>
         <p:spPr bwMode="auto">
           <a:xfrm>
-            <a:off x="611188" y="2997200"/>
-            <a:ext cx="7956024" cy="369332"/>
+            <a:off x="611188" y="3657431"/>
+            <a:ext cx="7956024" cy="1200329"/>
           </a:xfrm>
           <a:prstGeom prst="rect">
             <a:avLst/>
@@ -5914,8 +6422,165 @@
             </a:r>
             <a:r>
               <a:rPr lang="zh-CN" altLang="en-US" dirty="0"/>
-              <a:t>共有结构</a:t>
-            </a:r>
+              <a:t>共有</a:t>
+            </a:r>
+            <a:r>
+              <a:rPr lang="zh-CN" altLang="en-US" dirty="0" smtClean="0"/>
+              <a:t>结构</a:t>
+            </a:r>
+            <a:endParaRPr lang="en-US" altLang="zh-CN" dirty="0" smtClean="0"/>
+          </a:p>
+          <a:p>
+            <a:r>
+              <a:rPr lang="en-US" altLang="zh-CN" dirty="0" smtClean="0"/>
+              <a:t>        navi.xml</a:t>
+            </a:r>
+            <a:r>
+              <a:rPr lang="zh-CN" altLang="en-US" dirty="0" smtClean="0"/>
+              <a:t>配置文件（</a:t>
+            </a:r>
+            <a:r>
+              <a:rPr lang="en-US" altLang="zh-CN" dirty="0" err="1" smtClean="0"/>
+              <a:t>cfg</a:t>
+            </a:r>
+            <a:r>
+              <a:rPr lang="zh-CN" altLang="en-US" dirty="0" smtClean="0"/>
+              <a:t>目录下）：</a:t>
+            </a:r>
+            <a:endParaRPr lang="en-US" altLang="zh-CN" dirty="0" smtClean="0"/>
+          </a:p>
+          <a:p>
+            <a:r>
+              <a:rPr lang="zh-CN" altLang="en-US" dirty="0" smtClean="0"/>
+              <a:t>                    </a:t>
+            </a:r>
+            <a:r>
+              <a:rPr lang="en-US" altLang="zh-CN" dirty="0" err="1" smtClean="0">
+                <a:solidFill>
+                  <a:srgbClr val="FF0000"/>
+                </a:solidFill>
+              </a:rPr>
+              <a:t>wgs</a:t>
+            </a:r>
+            <a:r>
+              <a:rPr lang="en-US" altLang="zh-CN" dirty="0" smtClean="0">
+                <a:solidFill>
+                  <a:srgbClr val="FF0000"/>
+                </a:solidFill>
+              </a:rPr>
+              <a:t>=true</a:t>
+            </a:r>
+            <a:r>
+              <a:rPr lang="zh-CN" altLang="en-US" dirty="0" smtClean="0">
+                <a:solidFill>
+                  <a:srgbClr val="FF0000"/>
+                </a:solidFill>
+              </a:rPr>
+              <a:t>，</a:t>
+            </a:r>
+            <a:r>
+              <a:rPr lang="en-US" altLang="zh-CN" dirty="0" err="1" smtClean="0">
+                <a:solidFill>
+                  <a:srgbClr val="FF0000"/>
+                </a:solidFill>
+              </a:rPr>
+              <a:t>wkt</a:t>
+            </a:r>
+            <a:r>
+              <a:rPr lang="en-US" altLang="zh-CN" dirty="0" smtClean="0">
+                <a:solidFill>
+                  <a:srgbClr val="FF0000"/>
+                </a:solidFill>
+              </a:rPr>
+              <a:t>()</a:t>
+            </a:r>
+            <a:r>
+              <a:rPr lang="zh-CN" altLang="en-US" dirty="0" smtClean="0">
+                <a:solidFill>
+                  <a:srgbClr val="FF0000"/>
+                </a:solidFill>
+              </a:rPr>
+              <a:t>为经纬度数据</a:t>
+            </a:r>
+            <a:r>
+              <a:rPr lang="en-US" altLang="zh-CN" dirty="0" smtClean="0">
+                <a:solidFill>
+                  <a:srgbClr val="FF0000"/>
+                </a:solidFill>
+              </a:rPr>
+              <a:t> </a:t>
+            </a:r>
+          </a:p>
+          <a:p>
+            <a:r>
+              <a:rPr lang="zh-CN" altLang="en-US" dirty="0" smtClean="0">
+                <a:solidFill>
+                  <a:srgbClr val="FF0000"/>
+                </a:solidFill>
+              </a:rPr>
+              <a:t>                    </a:t>
+            </a:r>
+            <a:r>
+              <a:rPr lang="en-US" altLang="zh-CN" dirty="0" err="1" smtClean="0">
+                <a:solidFill>
+                  <a:srgbClr val="FF0000"/>
+                </a:solidFill>
+              </a:rPr>
+              <a:t>wgs</a:t>
+            </a:r>
+            <a:r>
+              <a:rPr lang="en-US" altLang="zh-CN" dirty="0" smtClean="0">
+                <a:solidFill>
+                  <a:srgbClr val="FF0000"/>
+                </a:solidFill>
+              </a:rPr>
+              <a:t>=false</a:t>
+            </a:r>
+            <a:r>
+              <a:rPr lang="zh-CN" altLang="en-US" dirty="0" smtClean="0">
+                <a:solidFill>
+                  <a:srgbClr val="FF0000"/>
+                </a:solidFill>
+              </a:rPr>
+              <a:t>，</a:t>
+            </a:r>
+            <a:r>
+              <a:rPr lang="en-US" altLang="zh-CN" dirty="0" smtClean="0">
+                <a:solidFill>
+                  <a:srgbClr val="FF0000"/>
+                </a:solidFill>
+              </a:rPr>
+              <a:t> </a:t>
+            </a:r>
+            <a:r>
+              <a:rPr lang="en-US" altLang="zh-CN" dirty="0" err="1" smtClean="0">
+                <a:solidFill>
+                  <a:srgbClr val="FF0000"/>
+                </a:solidFill>
+              </a:rPr>
+              <a:t>wkt</a:t>
+            </a:r>
+            <a:r>
+              <a:rPr lang="en-US" altLang="zh-CN" dirty="0" smtClean="0">
+                <a:solidFill>
+                  <a:srgbClr val="FF0000"/>
+                </a:solidFill>
+              </a:rPr>
+              <a:t>()</a:t>
+            </a:r>
+            <a:r>
+              <a:rPr lang="zh-CN" altLang="en-US" dirty="0" smtClean="0">
+                <a:solidFill>
+                  <a:srgbClr val="FF0000"/>
+                </a:solidFill>
+              </a:rPr>
+              <a:t>为墨卡托投影数据</a:t>
+            </a:r>
+            <a:endParaRPr lang="zh-CN" altLang="en-US" dirty="0">
+              <a:solidFill>
+                <a:srgbClr val="FF0000"/>
+              </a:solidFill>
+            </a:endParaRPr>
           </a:p>
         </p:txBody>
       </p:sp>
@@ -25839,18 +26504,7 @@
                 <a:ea typeface="宋体" pitchFamily="2" charset="-122"/>
                 <a:cs typeface="Arial" pitchFamily="34" charset="0"/>
               </a:rPr>
-              <a:t>目录数据限于</a:t>
-            </a:r>
-            <a:r>
-              <a:rPr lang="zh-CN" altLang="en-US" dirty="0" smtClean="0">
-                <a:solidFill>
-                  <a:srgbClr val="C00000"/>
-                </a:solidFill>
-                <a:latin typeface="宋体" pitchFamily="2" charset="-122"/>
-                <a:ea typeface="宋体" pitchFamily="2" charset="-122"/>
-                <a:cs typeface="Arial" pitchFamily="34" charset="0"/>
-              </a:rPr>
-              <a:t>学习研究使用。</a:t>
+              <a:t>目录数据限于学习研究使用。</a:t>
             </a:r>
             <a:endParaRPr lang="en-US" altLang="zh-CN" dirty="0" smtClean="0">
               <a:solidFill>
@@ -26003,7 +26657,88 @@
                 <a:latin typeface="Arial" pitchFamily="34" charset="0"/>
                 <a:cs typeface="Arial" pitchFamily="34" charset="0"/>
               </a:rPr>
-              <a:t>&gt;</a:t>
+              <a:t> </a:t>
+            </a:r>
+            <a:r>
+              <a:rPr lang="en-US" altLang="zh-CN" sz="1000" dirty="0" err="1" smtClean="0">
+                <a:latin typeface="Arial" pitchFamily="34" charset="0"/>
+                <a:cs typeface="Arial" pitchFamily="34" charset="0"/>
+              </a:rPr>
+              <a:t>wgs</a:t>
+            </a:r>
+            <a:r>
+              <a:rPr lang="en-US" altLang="zh-CN" sz="1000" dirty="0" smtClean="0">
+                <a:latin typeface="Arial" pitchFamily="34" charset="0"/>
+                <a:cs typeface="Arial" pitchFamily="34" charset="0"/>
+              </a:rPr>
+              <a:t>=“</a:t>
+            </a:r>
+            <a:r>
+              <a:rPr lang="en-US" altLang="zh-CN" sz="1000" dirty="0" smtClean="0">
+                <a:solidFill>
+                  <a:srgbClr val="FF0000"/>
+                </a:solidFill>
+                <a:latin typeface="Arial" pitchFamily="34" charset="0"/>
+                <a:cs typeface="Arial" pitchFamily="34" charset="0"/>
+              </a:rPr>
+              <a:t>false</a:t>
+            </a:r>
+            <a:r>
+              <a:rPr lang="en-US" altLang="zh-CN" sz="1000" dirty="0" smtClean="0">
+                <a:latin typeface="Arial" pitchFamily="34" charset="0"/>
+                <a:cs typeface="Arial" pitchFamily="34" charset="0"/>
+              </a:rPr>
+              <a:t>”&gt; </a:t>
+            </a:r>
+            <a:r>
+              <a:rPr lang="en-US" altLang="zh-CN" sz="1000" dirty="0" smtClean="0">
+                <a:solidFill>
+                  <a:srgbClr val="FF0000"/>
+                </a:solidFill>
+                <a:latin typeface="Arial" pitchFamily="34" charset="0"/>
+                <a:cs typeface="Arial" pitchFamily="34" charset="0"/>
+              </a:rPr>
+              <a:t>&lt;!—</a:t>
+            </a:r>
+            <a:r>
+              <a:rPr lang="zh-CN" altLang="en-US" sz="1000" dirty="0" smtClean="0">
+                <a:solidFill>
+                  <a:srgbClr val="FF0000"/>
+                </a:solidFill>
+                <a:latin typeface="Arial" pitchFamily="34" charset="0"/>
+                <a:cs typeface="Arial" pitchFamily="34" charset="0"/>
+              </a:rPr>
+              <a:t>数据源坐标系支持</a:t>
+            </a:r>
+            <a:r>
+              <a:rPr lang="en-US" altLang="zh-CN" sz="1000" dirty="0" smtClean="0">
+                <a:solidFill>
+                  <a:srgbClr val="FF0000"/>
+                </a:solidFill>
+                <a:latin typeface="Arial" pitchFamily="34" charset="0"/>
+                <a:cs typeface="Arial" pitchFamily="34" charset="0"/>
+              </a:rPr>
+              <a:t>WGS84</a:t>
+            </a:r>
+            <a:r>
+              <a:rPr lang="zh-CN" altLang="en-US" sz="1000" dirty="0" smtClean="0">
+                <a:solidFill>
+                  <a:srgbClr val="FF0000"/>
+                </a:solidFill>
+                <a:latin typeface="Arial" pitchFamily="34" charset="0"/>
+                <a:cs typeface="Arial" pitchFamily="34" charset="0"/>
+              </a:rPr>
+              <a:t> 和 墨卡托投影</a:t>
+            </a:r>
+            <a:r>
+              <a:rPr lang="en-US" altLang="zh-CN" sz="1000" dirty="0" smtClean="0">
+                <a:solidFill>
+                  <a:srgbClr val="FF0000"/>
+                </a:solidFill>
+                <a:latin typeface="Arial" pitchFamily="34" charset="0"/>
+                <a:cs typeface="Arial" pitchFamily="34" charset="0"/>
+              </a:rPr>
+              <a:t>--&gt;</a:t>
             </a:r>
           </a:p>
           <a:p>
@@ -26150,7 +26885,7 @@
                 <a:latin typeface="Arial" pitchFamily="34" charset="0"/>
                 <a:cs typeface="Arial" pitchFamily="34" charset="0"/>
               </a:rPr>
-              <a:t>            &lt;junction name=“” path=“D:/data/idx/110000/Junction” /&gt;</a:t>
+              <a:t>            &lt;junction name=“” path=“D:/data/idx/110000/Junction” cache="false" /&gt;</a:t>
             </a:r>
             <a:r>
               <a:rPr lang="zh-CN" altLang="en-US" sz="1000" dirty="0" smtClean="0">
@@ -26199,7 +26934,7 @@
                 <a:latin typeface="Arial" pitchFamily="34" charset="0"/>
                 <a:cs typeface="Arial" pitchFamily="34" charset="0"/>
               </a:rPr>
-              <a:t> name=“” path=“D:/data/idx/110000/Pathline” /&gt;</a:t>
+              <a:t> name=“” path=“D:/data/idx/110000/Pathline” cache="false" /&gt;</a:t>
             </a:r>
             <a:r>
               <a:rPr lang="zh-CN" altLang="en-US" sz="1000" dirty="0" smtClean="0">
@@ -26506,7 +27241,7 @@
                 <a:latin typeface="Arial" pitchFamily="34" charset="0"/>
                 <a:cs typeface="Arial" pitchFamily="34" charset="0"/>
               </a:rPr>
-              <a:t>            &lt;item name=“” path=“D:/data/idx/110000/Poi” /&gt;&lt;!-- support </a:t>
+              <a:t>            &lt;item name=“” path=“D:/data/idx/110000/Poi” cache="false" /&gt;&lt;!-- support </a:t>
             </a:r>
             <a:r>
               <a:rPr lang="en-US" altLang="zh-CN" sz="1000" dirty="0" err="1" smtClean="0">
@@ -26762,7 +27497,7 @@
                 <a:latin typeface="Arial" pitchFamily="34" charset="0"/>
                 <a:cs typeface="Arial" pitchFamily="34" charset="0"/>
               </a:rPr>
-              <a:t>/110000" /&gt;</a:t>
+              <a:t>/110000" cache=“false" /&gt;</a:t>
             </a:r>
           </a:p>
           <a:p>
@@ -26945,7 +27680,7 @@
                 <a:latin typeface="Arial" pitchFamily="34" charset="0"/>
                 <a:cs typeface="Arial" pitchFamily="34" charset="0"/>
               </a:rPr>
-              <a:t>            &lt;item name="" path="D:/data/idx/dist" /&gt;</a:t>
+              <a:t>            &lt;item name="" path="D:/data/idx/dist" cache=“true" /&gt;</a:t>
             </a:r>
           </a:p>
           <a:p>
@@ -32186,7 +32921,7 @@
           </p:nvPr>
         </p:nvGraphicFramePr>
         <p:xfrm>
-          <a:off x="106363" y="1484313"/>
+          <a:off x="106363" y="1357298"/>
           <a:ext cx="4321175" cy="4541520"/>
         </p:xfrm>
         <a:graphic>
@@ -35097,7 +35832,7 @@
                         <a:tabLst/>
                       </a:pPr>
                       <a:r>
-                        <a:rPr kumimoji="0" lang="en-US" altLang="zh-CN" sz="1400" b="0" i="0" u="none" strike="noStrike" cap="none" normalizeH="0" baseline="0" smtClean="0">
+                        <a:rPr kumimoji="0" lang="en-US" altLang="zh-CN" sz="1400" b="0" i="0" u="none" strike="noStrike" cap="none" normalizeH="0" baseline="0" dirty="0" smtClean="0">
                           <a:ln>
                             <a:noFill/>
                           </a:ln>
@@ -35111,7 +35846,7 @@
                         <a:t>0</a:t>
                       </a:r>
                       <a:r>
-                        <a:rPr kumimoji="0" lang="zh-CN" altLang="en-US" sz="1400" b="0" i="0" u="none" strike="noStrike" cap="none" normalizeH="0" baseline="0" smtClean="0">
+                        <a:rPr kumimoji="0" lang="zh-CN" altLang="en-US" sz="1400" b="0" i="0" u="none" strike="noStrike" cap="none" normalizeH="0" baseline="0" dirty="0" smtClean="0">
                           <a:ln>
                             <a:noFill/>
                           </a:ln>
@@ -35143,7 +35878,7 @@
                         <a:tabLst/>
                       </a:pPr>
                       <a:r>
-                        <a:rPr kumimoji="0" lang="en-US" altLang="zh-CN" sz="1400" b="0" i="0" u="none" strike="noStrike" cap="none" normalizeH="0" baseline="0" smtClean="0">
+                        <a:rPr kumimoji="0" lang="en-US" altLang="zh-CN" sz="1400" b="0" i="0" u="none" strike="noStrike" cap="none" normalizeH="0" baseline="0" dirty="0" smtClean="0">
                           <a:ln>
                             <a:noFill/>
                           </a:ln>
@@ -35157,7 +35892,7 @@
                         <a:t>1</a:t>
                       </a:r>
                       <a:r>
-                        <a:rPr kumimoji="0" lang="zh-CN" altLang="en-US" sz="1400" b="0" i="0" u="none" strike="noStrike" cap="none" normalizeH="0" baseline="0" smtClean="0">
+                        <a:rPr kumimoji="0" lang="zh-CN" altLang="en-US" sz="1400" b="0" i="0" u="none" strike="noStrike" cap="none" normalizeH="0" baseline="0" dirty="0" smtClean="0">
                           <a:ln>
                             <a:noFill/>
                           </a:ln>
@@ -35234,8 +35969,8 @@
           <p:nvPr/>
         </p:nvGraphicFramePr>
         <p:xfrm>
-          <a:off x="4427538" y="1484313"/>
-          <a:ext cx="4608512" cy="4358640"/>
+          <a:off x="4427538" y="1357298"/>
+          <a:ext cx="4608512" cy="4968240"/>
         </p:xfrm>
         <a:graphic>
           <a:graphicData uri="http://schemas.openxmlformats.org/drawingml/2006/table">
@@ -35269,7 +36004,7 @@
                         <a:buNone/>
                         <a:tabLst/>
                       </a:pPr>
-                      <a:endParaRPr kumimoji="0" lang="zh-CN" altLang="en-US" sz="1800" b="1" i="0" u="none" strike="noStrike" cap="none" normalizeH="0" baseline="0" smtClean="0">
+                      <a:endParaRPr kumimoji="0" lang="zh-CN" altLang="en-US" sz="1800" b="1" i="0" u="none" strike="noStrike" cap="none" normalizeH="0" baseline="0" dirty="0" smtClean="0">
                         <a:ln>
                           <a:noFill/>
                         </a:ln>
@@ -37197,7 +37932,7 @@
                         <a:tabLst/>
                       </a:pPr>
                       <a:r>
-                        <a:rPr kumimoji="0" lang="en-US" altLang="zh-CN" sz="1400" b="0" i="1" u="none" strike="noStrike" cap="none" normalizeH="0" baseline="0" smtClean="0">
+                        <a:rPr kumimoji="0" lang="en-US" altLang="zh-CN" sz="1400" b="0" i="1" u="none" strike="noStrike" cap="none" normalizeH="0" baseline="0" dirty="0" smtClean="0">
                           <a:ln>
                             <a:noFill/>
                           </a:ln>
@@ -37451,7 +38186,7 @@
                         <a:tabLst/>
                       </a:pPr>
                       <a:r>
-                        <a:rPr kumimoji="0" lang="en-US" altLang="zh-CN" sz="1400" b="0" i="1" u="none" strike="noStrike" cap="none" normalizeH="0" baseline="0" smtClean="0">
+                        <a:rPr kumimoji="0" lang="en-US" altLang="zh-CN" sz="1400" b="0" i="1" u="none" strike="noStrike" cap="none" normalizeH="0" baseline="0" dirty="0" smtClean="0">
                           <a:ln>
                             <a:noFill/>
                           </a:ln>
@@ -37706,7 +38441,7 @@
                         <a:tabLst/>
                       </a:pPr>
                       <a:r>
-                        <a:rPr kumimoji="0" lang="en-US" altLang="zh-CN" sz="1400" b="0" i="0" u="none" strike="noStrike" cap="none" normalizeH="0" baseline="0" smtClean="0">
+                        <a:rPr kumimoji="0" lang="en-US" altLang="zh-CN" sz="1400" b="0" i="0" u="none" strike="noStrike" cap="none" normalizeH="0" baseline="0" dirty="0" smtClean="0">
                           <a:ln>
                             <a:noFill/>
                           </a:ln>
@@ -37719,6 +38454,706 @@
                         </a:rPr>
                         <a:t>WKT()</a:t>
                       </a:r>
+                    </a:p>
+                  </a:txBody>
+                  <a:tcPr horzOverflow="overflow">
+                    <a:lnL w="12700" cap="flat" cmpd="sng" algn="ctr">
+                      <a:solidFill>
+                        <a:schemeClr val="bg1"/>
+                      </a:solidFill>
+                      <a:prstDash val="solid"/>
+                      <a:round/>
+                      <a:headEnd type="none" w="med" len="med"/>
+                      <a:tailEnd type="none" w="med" len="med"/>
+                    </a:lnL>
+                    <a:lnR w="12700" cap="flat" cmpd="sng" algn="ctr">
+                      <a:solidFill>
+                        <a:schemeClr val="bg1"/>
+                      </a:solidFill>
+                      <a:prstDash val="solid"/>
+                      <a:round/>
+                      <a:headEnd type="none" w="med" len="med"/>
+                      <a:tailEnd type="none" w="med" len="med"/>
+                    </a:lnR>
+                    <a:lnT w="12700" cap="flat" cmpd="sng" algn="ctr">
+                      <a:solidFill>
+                        <a:schemeClr val="bg1"/>
+                      </a:solidFill>
+                      <a:prstDash val="solid"/>
+                      <a:round/>
+                      <a:headEnd type="none" w="med" len="med"/>
+                      <a:tailEnd type="none" w="med" len="med"/>
+                    </a:lnT>
+                    <a:lnB w="12700" cap="flat" cmpd="sng" algn="ctr">
+                      <a:solidFill>
+                        <a:schemeClr val="bg1"/>
+                      </a:solidFill>
+                      <a:prstDash val="solid"/>
+                      <a:round/>
+                      <a:headEnd type="none" w="med" len="med"/>
+                      <a:tailEnd type="none" w="med" len="med"/>
+                    </a:lnB>
+                    <a:lnTlToBr>
+                      <a:noFill/>
+                    </a:lnTlToBr>
+                    <a:lnBlToTr>
+                      <a:noFill/>
+                    </a:lnBlToTr>
+                    <a:solidFill>
+                      <a:srgbClr val="FCECE7"/>
+                    </a:solidFill>
+                  </a:tcPr>
+                </a:tc>
+              </a:tr>
+              <a:tr h="180975">
+                <a:tc>
+                  <a:txBody>
+                    <a:bodyPr/>
+                    <a:lstStyle/>
+                    <a:p>
+                      <a:pPr marL="0" marR="0" lvl="0" indent="0" algn="l" defTabSz="914400" rtl="0" eaLnBrk="1" fontAlgn="base" latinLnBrk="0" hangingPunct="1">
+                        <a:lnSpc>
+                          <a:spcPct val="100000"/>
+                        </a:lnSpc>
+                        <a:spcBef>
+                          <a:spcPct val="0"/>
+                        </a:spcBef>
+                        <a:spcAft>
+                          <a:spcPct val="0"/>
+                        </a:spcAft>
+                        <a:buClrTx/>
+                        <a:buSzTx/>
+                        <a:buFontTx/>
+                        <a:buNone/>
+                        <a:tabLst/>
+                      </a:pPr>
+                      <a:r>
+                        <a:rPr kumimoji="0" lang="en-US" altLang="zh-CN" sz="1400" b="0" i="1" u="none" strike="noStrike" cap="none" normalizeH="0" baseline="0" dirty="0" smtClean="0">
+                          <a:ln>
+                            <a:noFill/>
+                          </a:ln>
+                          <a:solidFill>
+                            <a:srgbClr val="000000"/>
+                          </a:solidFill>
+                          <a:effectLst/>
+                          <a:latin typeface="Constantia" pitchFamily="18" charset="0"/>
+                          <a:ea typeface="华文新魏" pitchFamily="2" charset="-122"/>
+                        </a:rPr>
+                        <a:t>11</a:t>
+                      </a:r>
+                      <a:endParaRPr kumimoji="0" lang="en-US" altLang="zh-CN" sz="1400" b="0" i="1" u="none" strike="noStrike" cap="none" normalizeH="0" baseline="0" dirty="0" smtClean="0">
+                        <a:ln>
+                          <a:noFill/>
+                        </a:ln>
+                        <a:solidFill>
+                          <a:srgbClr val="000000"/>
+                        </a:solidFill>
+                        <a:effectLst/>
+                        <a:latin typeface="Constantia" pitchFamily="18" charset="0"/>
+                        <a:ea typeface="华文新魏" pitchFamily="2" charset="-122"/>
+                      </a:endParaRPr>
+                    </a:p>
+                  </a:txBody>
+                  <a:tcPr horzOverflow="overflow">
+                    <a:lnL w="12700" cap="flat" cmpd="sng" algn="ctr">
+                      <a:solidFill>
+                        <a:schemeClr val="bg1"/>
+                      </a:solidFill>
+                      <a:prstDash val="solid"/>
+                      <a:round/>
+                      <a:headEnd type="none" w="med" len="med"/>
+                      <a:tailEnd type="none" w="med" len="med"/>
+                    </a:lnL>
+                    <a:lnR w="12700" cap="flat" cmpd="sng" algn="ctr">
+                      <a:solidFill>
+                        <a:schemeClr val="bg1"/>
+                      </a:solidFill>
+                      <a:prstDash val="solid"/>
+                      <a:round/>
+                      <a:headEnd type="none" w="med" len="med"/>
+                      <a:tailEnd type="none" w="med" len="med"/>
+                    </a:lnR>
+                    <a:lnT w="12700" cap="flat" cmpd="sng" algn="ctr">
+                      <a:solidFill>
+                        <a:schemeClr val="bg1"/>
+                      </a:solidFill>
+                      <a:prstDash val="solid"/>
+                      <a:round/>
+                      <a:headEnd type="none" w="med" len="med"/>
+                      <a:tailEnd type="none" w="med" len="med"/>
+                    </a:lnT>
+                    <a:lnB w="12700" cap="flat" cmpd="sng" algn="ctr">
+                      <a:solidFill>
+                        <a:schemeClr val="bg1"/>
+                      </a:solidFill>
+                      <a:prstDash val="solid"/>
+                      <a:round/>
+                      <a:headEnd type="none" w="med" len="med"/>
+                      <a:tailEnd type="none" w="med" len="med"/>
+                    </a:lnB>
+                    <a:lnTlToBr>
+                      <a:noFill/>
+                    </a:lnTlToBr>
+                    <a:lnBlToTr>
+                      <a:noFill/>
+                    </a:lnBlToTr>
+                    <a:solidFill>
+                      <a:srgbClr val="FCECE7"/>
+                    </a:solidFill>
+                  </a:tcPr>
+                </a:tc>
+                <a:tc>
+                  <a:txBody>
+                    <a:bodyPr/>
+                    <a:lstStyle/>
+                    <a:p>
+                      <a:pPr marL="0" marR="0" lvl="0" indent="0" algn="l" defTabSz="914400" rtl="0" eaLnBrk="1" fontAlgn="base" latinLnBrk="0" hangingPunct="1">
+                        <a:lnSpc>
+                          <a:spcPct val="100000"/>
+                        </a:lnSpc>
+                        <a:spcBef>
+                          <a:spcPct val="0"/>
+                        </a:spcBef>
+                        <a:spcAft>
+                          <a:spcPct val="0"/>
+                        </a:spcAft>
+                        <a:buClrTx/>
+                        <a:buSzTx/>
+                        <a:buFontTx/>
+                        <a:buNone/>
+                        <a:tabLst/>
+                      </a:pPr>
+                      <a:r>
+                        <a:rPr kumimoji="0" lang="en-US" altLang="zh-CN" sz="1400" b="0" i="1" u="none" strike="noStrike" cap="none" normalizeH="0" baseline="0" dirty="0" smtClean="0">
+                          <a:ln>
+                            <a:noFill/>
+                          </a:ln>
+                          <a:solidFill>
+                            <a:srgbClr val="000000"/>
+                          </a:solidFill>
+                          <a:effectLst/>
+                          <a:latin typeface="Arial" charset="0"/>
+                          <a:ea typeface="华文新魏" pitchFamily="2" charset="-122"/>
+                        </a:rPr>
+                        <a:t>CENX</a:t>
+                      </a:r>
+                    </a:p>
+                  </a:txBody>
+                  <a:tcPr horzOverflow="overflow">
+                    <a:lnL w="12700" cap="flat" cmpd="sng" algn="ctr">
+                      <a:solidFill>
+                        <a:schemeClr val="bg1"/>
+                      </a:solidFill>
+                      <a:prstDash val="solid"/>
+                      <a:round/>
+                      <a:headEnd type="none" w="med" len="med"/>
+                      <a:tailEnd type="none" w="med" len="med"/>
+                    </a:lnL>
+                    <a:lnR w="12700" cap="flat" cmpd="sng" algn="ctr">
+                      <a:solidFill>
+                        <a:schemeClr val="bg1"/>
+                      </a:solidFill>
+                      <a:prstDash val="solid"/>
+                      <a:round/>
+                      <a:headEnd type="none" w="med" len="med"/>
+                      <a:tailEnd type="none" w="med" len="med"/>
+                    </a:lnR>
+                    <a:lnT w="12700" cap="flat" cmpd="sng" algn="ctr">
+                      <a:solidFill>
+                        <a:schemeClr val="bg1"/>
+                      </a:solidFill>
+                      <a:prstDash val="solid"/>
+                      <a:round/>
+                      <a:headEnd type="none" w="med" len="med"/>
+                      <a:tailEnd type="none" w="med" len="med"/>
+                    </a:lnT>
+                    <a:lnB w="12700" cap="flat" cmpd="sng" algn="ctr">
+                      <a:solidFill>
+                        <a:schemeClr val="bg1"/>
+                      </a:solidFill>
+                      <a:prstDash val="solid"/>
+                      <a:round/>
+                      <a:headEnd type="none" w="med" len="med"/>
+                      <a:tailEnd type="none" w="med" len="med"/>
+                    </a:lnB>
+                    <a:lnTlToBr>
+                      <a:noFill/>
+                    </a:lnTlToBr>
+                    <a:lnBlToTr>
+                      <a:noFill/>
+                    </a:lnBlToTr>
+                    <a:solidFill>
+                      <a:srgbClr val="FCECE7"/>
+                    </a:solidFill>
+                  </a:tcPr>
+                </a:tc>
+                <a:tc>
+                  <a:txBody>
+                    <a:bodyPr/>
+                    <a:lstStyle/>
+                    <a:p>
+                      <a:pPr marL="0" marR="0" lvl="0" indent="0" algn="l" defTabSz="914400" rtl="0" eaLnBrk="1" fontAlgn="base" latinLnBrk="0" hangingPunct="1">
+                        <a:lnSpc>
+                          <a:spcPct val="100000"/>
+                        </a:lnSpc>
+                        <a:spcBef>
+                          <a:spcPct val="0"/>
+                        </a:spcBef>
+                        <a:spcAft>
+                          <a:spcPct val="0"/>
+                        </a:spcAft>
+                        <a:buClrTx/>
+                        <a:buSzTx/>
+                        <a:buFontTx/>
+                        <a:buNone/>
+                        <a:tabLst/>
+                      </a:pPr>
+                      <a:r>
+                        <a:rPr kumimoji="0" lang="zh-CN" altLang="en-US" sz="1400" b="0" i="0" u="none" strike="noStrike" cap="none" normalizeH="0" baseline="0" dirty="0" smtClean="0">
+                          <a:ln>
+                            <a:noFill/>
+                          </a:ln>
+                          <a:solidFill>
+                            <a:srgbClr val="000000"/>
+                          </a:solidFill>
+                          <a:effectLst/>
+                          <a:latin typeface="Constantia" pitchFamily="18" charset="0"/>
+                          <a:ea typeface="华文新魏" pitchFamily="2" charset="-122"/>
+                        </a:rPr>
+                        <a:t>经度投影值</a:t>
+                      </a:r>
+                    </a:p>
+                  </a:txBody>
+                  <a:tcPr horzOverflow="overflow">
+                    <a:lnL w="12700" cap="flat" cmpd="sng" algn="ctr">
+                      <a:solidFill>
+                        <a:schemeClr val="bg1"/>
+                      </a:solidFill>
+                      <a:prstDash val="solid"/>
+                      <a:round/>
+                      <a:headEnd type="none" w="med" len="med"/>
+                      <a:tailEnd type="none" w="med" len="med"/>
+                    </a:lnL>
+                    <a:lnR w="12700" cap="flat" cmpd="sng" algn="ctr">
+                      <a:solidFill>
+                        <a:schemeClr val="bg1"/>
+                      </a:solidFill>
+                      <a:prstDash val="solid"/>
+                      <a:round/>
+                      <a:headEnd type="none" w="med" len="med"/>
+                      <a:tailEnd type="none" w="med" len="med"/>
+                    </a:lnR>
+                    <a:lnT w="12700" cap="flat" cmpd="sng" algn="ctr">
+                      <a:solidFill>
+                        <a:schemeClr val="bg1"/>
+                      </a:solidFill>
+                      <a:prstDash val="solid"/>
+                      <a:round/>
+                      <a:headEnd type="none" w="med" len="med"/>
+                      <a:tailEnd type="none" w="med" len="med"/>
+                    </a:lnT>
+                    <a:lnB w="12700" cap="flat" cmpd="sng" algn="ctr">
+                      <a:solidFill>
+                        <a:schemeClr val="bg1"/>
+                      </a:solidFill>
+                      <a:prstDash val="solid"/>
+                      <a:round/>
+                      <a:headEnd type="none" w="med" len="med"/>
+                      <a:tailEnd type="none" w="med" len="med"/>
+                    </a:lnB>
+                    <a:lnTlToBr>
+                      <a:noFill/>
+                    </a:lnTlToBr>
+                    <a:lnBlToTr>
+                      <a:noFill/>
+                    </a:lnBlToTr>
+                    <a:solidFill>
+                      <a:srgbClr val="FCECE7"/>
+                    </a:solidFill>
+                  </a:tcPr>
+                </a:tc>
+                <a:tc>
+                  <a:txBody>
+                    <a:bodyPr/>
+                    <a:lstStyle/>
+                    <a:p>
+                      <a:pPr marL="0" marR="0" lvl="0" indent="0" algn="l" defTabSz="914400" rtl="0" eaLnBrk="1" fontAlgn="base" latinLnBrk="0" hangingPunct="1">
+                        <a:lnSpc>
+                          <a:spcPct val="100000"/>
+                        </a:lnSpc>
+                        <a:spcBef>
+                          <a:spcPct val="0"/>
+                        </a:spcBef>
+                        <a:spcAft>
+                          <a:spcPct val="0"/>
+                        </a:spcAft>
+                        <a:buClrTx/>
+                        <a:buSzTx/>
+                        <a:buFontTx/>
+                        <a:buNone/>
+                        <a:tabLst/>
+                      </a:pPr>
+                      <a:endParaRPr kumimoji="0" lang="en-US" altLang="zh-CN" sz="1400" b="0" i="0" u="none" strike="noStrike" cap="none" normalizeH="0" baseline="0" dirty="0" smtClean="0">
+                        <a:ln>
+                          <a:noFill/>
+                        </a:ln>
+                        <a:solidFill>
+                          <a:srgbClr val="000000"/>
+                        </a:solidFill>
+                        <a:effectLst/>
+                        <a:latin typeface="Arial" charset="0"/>
+                        <a:ea typeface="华文新魏" pitchFamily="2" charset="-122"/>
+                      </a:endParaRPr>
+                    </a:p>
+                  </a:txBody>
+                  <a:tcPr horzOverflow="overflow">
+                    <a:lnL w="12700" cap="flat" cmpd="sng" algn="ctr">
+                      <a:solidFill>
+                        <a:schemeClr val="bg1"/>
+                      </a:solidFill>
+                      <a:prstDash val="solid"/>
+                      <a:round/>
+                      <a:headEnd type="none" w="med" len="med"/>
+                      <a:tailEnd type="none" w="med" len="med"/>
+                    </a:lnL>
+                    <a:lnR w="12700" cap="flat" cmpd="sng" algn="ctr">
+                      <a:solidFill>
+                        <a:schemeClr val="bg1"/>
+                      </a:solidFill>
+                      <a:prstDash val="solid"/>
+                      <a:round/>
+                      <a:headEnd type="none" w="med" len="med"/>
+                      <a:tailEnd type="none" w="med" len="med"/>
+                    </a:lnR>
+                    <a:lnT w="12700" cap="flat" cmpd="sng" algn="ctr">
+                      <a:solidFill>
+                        <a:schemeClr val="bg1"/>
+                      </a:solidFill>
+                      <a:prstDash val="solid"/>
+                      <a:round/>
+                      <a:headEnd type="none" w="med" len="med"/>
+                      <a:tailEnd type="none" w="med" len="med"/>
+                    </a:lnT>
+                    <a:lnB w="12700" cap="flat" cmpd="sng" algn="ctr">
+                      <a:solidFill>
+                        <a:schemeClr val="bg1"/>
+                      </a:solidFill>
+                      <a:prstDash val="solid"/>
+                      <a:round/>
+                      <a:headEnd type="none" w="med" len="med"/>
+                      <a:tailEnd type="none" w="med" len="med"/>
+                    </a:lnB>
+                    <a:lnTlToBr>
+                      <a:noFill/>
+                    </a:lnTlToBr>
+                    <a:lnBlToTr>
+                      <a:noFill/>
+                    </a:lnBlToTr>
+                    <a:solidFill>
+                      <a:srgbClr val="FCECE7"/>
+                    </a:solidFill>
+                  </a:tcPr>
+                </a:tc>
+              </a:tr>
+              <a:tr h="180975">
+                <a:tc>
+                  <a:txBody>
+                    <a:bodyPr/>
+                    <a:lstStyle/>
+                    <a:p>
+                      <a:pPr marL="0" marR="0" lvl="0" indent="0" algn="l" defTabSz="914400" rtl="0" eaLnBrk="1" fontAlgn="base" latinLnBrk="0" hangingPunct="1">
+                        <a:lnSpc>
+                          <a:spcPct val="100000"/>
+                        </a:lnSpc>
+                        <a:spcBef>
+                          <a:spcPct val="0"/>
+                        </a:spcBef>
+                        <a:spcAft>
+                          <a:spcPct val="0"/>
+                        </a:spcAft>
+                        <a:buClrTx/>
+                        <a:buSzTx/>
+                        <a:buFontTx/>
+                        <a:buNone/>
+                        <a:tabLst/>
+                      </a:pPr>
+                      <a:r>
+                        <a:rPr kumimoji="0" lang="en-US" altLang="zh-CN" sz="1400" b="0" i="1" u="none" strike="noStrike" cap="none" normalizeH="0" baseline="0" dirty="0" smtClean="0">
+                          <a:ln>
+                            <a:noFill/>
+                          </a:ln>
+                          <a:solidFill>
+                            <a:srgbClr val="000000"/>
+                          </a:solidFill>
+                          <a:effectLst/>
+                          <a:latin typeface="Constantia" pitchFamily="18" charset="0"/>
+                          <a:ea typeface="华文新魏" pitchFamily="2" charset="-122"/>
+                        </a:rPr>
+                        <a:t>12</a:t>
+                      </a:r>
+                      <a:endParaRPr kumimoji="0" lang="en-US" altLang="zh-CN" sz="1400" b="0" i="1" u="none" strike="noStrike" cap="none" normalizeH="0" baseline="0" dirty="0" smtClean="0">
+                        <a:ln>
+                          <a:noFill/>
+                        </a:ln>
+                        <a:solidFill>
+                          <a:srgbClr val="000000"/>
+                        </a:solidFill>
+                        <a:effectLst/>
+                        <a:latin typeface="Constantia" pitchFamily="18" charset="0"/>
+                        <a:ea typeface="华文新魏" pitchFamily="2" charset="-122"/>
+                      </a:endParaRPr>
+                    </a:p>
+                  </a:txBody>
+                  <a:tcPr horzOverflow="overflow">
+                    <a:lnL w="12700" cap="flat" cmpd="sng" algn="ctr">
+                      <a:solidFill>
+                        <a:schemeClr val="bg1"/>
+                      </a:solidFill>
+                      <a:prstDash val="solid"/>
+                      <a:round/>
+                      <a:headEnd type="none" w="med" len="med"/>
+                      <a:tailEnd type="none" w="med" len="med"/>
+                    </a:lnL>
+                    <a:lnR w="12700" cap="flat" cmpd="sng" algn="ctr">
+                      <a:solidFill>
+                        <a:schemeClr val="bg1"/>
+                      </a:solidFill>
+                      <a:prstDash val="solid"/>
+                      <a:round/>
+                      <a:headEnd type="none" w="med" len="med"/>
+                      <a:tailEnd type="none" w="med" len="med"/>
+                    </a:lnR>
+                    <a:lnT w="12700" cap="flat" cmpd="sng" algn="ctr">
+                      <a:solidFill>
+                        <a:schemeClr val="bg1"/>
+                      </a:solidFill>
+                      <a:prstDash val="solid"/>
+                      <a:round/>
+                      <a:headEnd type="none" w="med" len="med"/>
+                      <a:tailEnd type="none" w="med" len="med"/>
+                    </a:lnT>
+                    <a:lnB w="12700" cap="flat" cmpd="sng" algn="ctr">
+                      <a:solidFill>
+                        <a:schemeClr val="bg1"/>
+                      </a:solidFill>
+                      <a:prstDash val="solid"/>
+                      <a:round/>
+                      <a:headEnd type="none" w="med" len="med"/>
+                      <a:tailEnd type="none" w="med" len="med"/>
+                    </a:lnB>
+                    <a:lnTlToBr>
+                      <a:noFill/>
+                    </a:lnTlToBr>
+                    <a:lnBlToTr>
+                      <a:noFill/>
+                    </a:lnBlToTr>
+                    <a:solidFill>
+                      <a:srgbClr val="FCECE7"/>
+                    </a:solidFill>
+                  </a:tcPr>
+                </a:tc>
+                <a:tc>
+                  <a:txBody>
+                    <a:bodyPr/>
+                    <a:lstStyle/>
+                    <a:p>
+                      <a:pPr marL="0" marR="0" lvl="0" indent="0" algn="l" defTabSz="914400" rtl="0" eaLnBrk="1" fontAlgn="base" latinLnBrk="0" hangingPunct="1">
+                        <a:lnSpc>
+                          <a:spcPct val="100000"/>
+                        </a:lnSpc>
+                        <a:spcBef>
+                          <a:spcPct val="0"/>
+                        </a:spcBef>
+                        <a:spcAft>
+                          <a:spcPct val="0"/>
+                        </a:spcAft>
+                        <a:buClrTx/>
+                        <a:buSzTx/>
+                        <a:buFontTx/>
+                        <a:buNone/>
+                        <a:tabLst/>
+                      </a:pPr>
+                      <a:r>
+                        <a:rPr kumimoji="0" lang="en-US" altLang="zh-CN" sz="1400" b="0" i="1" u="none" strike="noStrike" cap="none" normalizeH="0" baseline="0" dirty="0" smtClean="0">
+                          <a:ln>
+                            <a:noFill/>
+                          </a:ln>
+                          <a:solidFill>
+                            <a:srgbClr val="000000"/>
+                          </a:solidFill>
+                          <a:effectLst/>
+                          <a:latin typeface="Arial" charset="0"/>
+                          <a:ea typeface="华文新魏" pitchFamily="2" charset="-122"/>
+                        </a:rPr>
+                        <a:t>CENY</a:t>
+                      </a:r>
+                    </a:p>
+                  </a:txBody>
+                  <a:tcPr horzOverflow="overflow">
+                    <a:lnL w="12700" cap="flat" cmpd="sng" algn="ctr">
+                      <a:solidFill>
+                        <a:schemeClr val="bg1"/>
+                      </a:solidFill>
+                      <a:prstDash val="solid"/>
+                      <a:round/>
+                      <a:headEnd type="none" w="med" len="med"/>
+                      <a:tailEnd type="none" w="med" len="med"/>
+                    </a:lnL>
+                    <a:lnR w="12700" cap="flat" cmpd="sng" algn="ctr">
+                      <a:solidFill>
+                        <a:schemeClr val="bg1"/>
+                      </a:solidFill>
+                      <a:prstDash val="solid"/>
+                      <a:round/>
+                      <a:headEnd type="none" w="med" len="med"/>
+                      <a:tailEnd type="none" w="med" len="med"/>
+                    </a:lnR>
+                    <a:lnT w="12700" cap="flat" cmpd="sng" algn="ctr">
+                      <a:solidFill>
+                        <a:schemeClr val="bg1"/>
+                      </a:solidFill>
+                      <a:prstDash val="solid"/>
+                      <a:round/>
+                      <a:headEnd type="none" w="med" len="med"/>
+                      <a:tailEnd type="none" w="med" len="med"/>
+                    </a:lnT>
+                    <a:lnB w="12700" cap="flat" cmpd="sng" algn="ctr">
+                      <a:solidFill>
+                        <a:schemeClr val="bg1"/>
+                      </a:solidFill>
+                      <a:prstDash val="solid"/>
+                      <a:round/>
+                      <a:headEnd type="none" w="med" len="med"/>
+                      <a:tailEnd type="none" w="med" len="med"/>
+                    </a:lnB>
+                    <a:lnTlToBr>
+                      <a:noFill/>
+                    </a:lnTlToBr>
+                    <a:lnBlToTr>
+                      <a:noFill/>
+                    </a:lnBlToTr>
+                    <a:solidFill>
+                      <a:srgbClr val="FCECE7"/>
+                    </a:solidFill>
+                  </a:tcPr>
+                </a:tc>
+                <a:tc>
+                  <a:txBody>
+                    <a:bodyPr/>
+                    <a:lstStyle/>
+                    <a:p>
+                      <a:pPr marL="0" marR="0" lvl="0" indent="0" algn="l" defTabSz="914400" rtl="0" eaLnBrk="1" fontAlgn="base" latinLnBrk="0" hangingPunct="1">
+                        <a:lnSpc>
+                          <a:spcPct val="100000"/>
+                        </a:lnSpc>
+                        <a:spcBef>
+                          <a:spcPct val="0"/>
+                        </a:spcBef>
+                        <a:spcAft>
+                          <a:spcPct val="0"/>
+                        </a:spcAft>
+                        <a:buClrTx/>
+                        <a:buSzTx/>
+                        <a:buFontTx/>
+                        <a:buNone/>
+                        <a:tabLst/>
+                      </a:pPr>
+                      <a:r>
+                        <a:rPr kumimoji="0" lang="zh-CN" altLang="en-US" sz="1400" b="0" i="0" u="none" strike="noStrike" cap="none" normalizeH="0" baseline="0" dirty="0" smtClean="0">
+                          <a:ln>
+                            <a:noFill/>
+                          </a:ln>
+                          <a:solidFill>
+                            <a:srgbClr val="000000"/>
+                          </a:solidFill>
+                          <a:effectLst/>
+                          <a:latin typeface="Constantia" pitchFamily="18" charset="0"/>
+                          <a:ea typeface="华文新魏" pitchFamily="2" charset="-122"/>
+                        </a:rPr>
+                        <a:t>纬度投影值</a:t>
+                      </a:r>
+                    </a:p>
+                  </a:txBody>
+                  <a:tcPr horzOverflow="overflow">
+                    <a:lnL w="12700" cap="flat" cmpd="sng" algn="ctr">
+                      <a:solidFill>
+                        <a:schemeClr val="bg1"/>
+                      </a:solidFill>
+                      <a:prstDash val="solid"/>
+                      <a:round/>
+                      <a:headEnd type="none" w="med" len="med"/>
+                      <a:tailEnd type="none" w="med" len="med"/>
+                    </a:lnL>
+                    <a:lnR w="12700" cap="flat" cmpd="sng" algn="ctr">
+                      <a:solidFill>
+                        <a:schemeClr val="bg1"/>
+                      </a:solidFill>
+                      <a:prstDash val="solid"/>
+                      <a:round/>
+                      <a:headEnd type="none" w="med" len="med"/>
+                      <a:tailEnd type="none" w="med" len="med"/>
+                    </a:lnR>
+                    <a:lnT w="12700" cap="flat" cmpd="sng" algn="ctr">
+                      <a:solidFill>
+                        <a:schemeClr val="bg1"/>
+                      </a:solidFill>
+                      <a:prstDash val="solid"/>
+                      <a:round/>
+                      <a:headEnd type="none" w="med" len="med"/>
+                      <a:tailEnd type="none" w="med" len="med"/>
+                    </a:lnT>
+                    <a:lnB w="12700" cap="flat" cmpd="sng" algn="ctr">
+                      <a:solidFill>
+                        <a:schemeClr val="bg1"/>
+                      </a:solidFill>
+                      <a:prstDash val="solid"/>
+                      <a:round/>
+                      <a:headEnd type="none" w="med" len="med"/>
+                      <a:tailEnd type="none" w="med" len="med"/>
+                    </a:lnB>
+                    <a:lnTlToBr>
+                      <a:noFill/>
+                    </a:lnTlToBr>
+                    <a:lnBlToTr>
+                      <a:noFill/>
+                    </a:lnBlToTr>
+                    <a:solidFill>
+                      <a:srgbClr val="FCECE7"/>
+                    </a:solidFill>
+                  </a:tcPr>
+                </a:tc>
+                <a:tc>
+                  <a:txBody>
+                    <a:bodyPr/>
+                    <a:lstStyle/>
+                    <a:p>
+                      <a:pPr marL="0" marR="0" lvl="0" indent="0" algn="l" defTabSz="914400" rtl="0" eaLnBrk="1" fontAlgn="base" latinLnBrk="0" hangingPunct="1">
+                        <a:lnSpc>
+                          <a:spcPct val="100000"/>
+                        </a:lnSpc>
+                        <a:spcBef>
+                          <a:spcPct val="0"/>
+                        </a:spcBef>
+                        <a:spcAft>
+                          <a:spcPct val="0"/>
+                        </a:spcAft>
+                        <a:buClrTx/>
+                        <a:buSzTx/>
+                        <a:buFontTx/>
+                        <a:buNone/>
+                        <a:tabLst/>
+                      </a:pPr>
+                      <a:endParaRPr kumimoji="0" lang="en-US" altLang="zh-CN" sz="1400" b="0" i="0" u="none" strike="noStrike" cap="none" normalizeH="0" baseline="0" dirty="0" smtClean="0">
+                        <a:ln>
+                          <a:noFill/>
+                        </a:ln>
+                        <a:solidFill>
+                          <a:srgbClr val="000000"/>
+                        </a:solidFill>
+                        <a:effectLst/>
+                        <a:latin typeface="Arial" charset="0"/>
+                        <a:ea typeface="华文新魏" pitchFamily="2" charset="-122"/>
+                      </a:endParaRPr>
                     </a:p>
                   </a:txBody>
                   <a:tcPr horzOverflow="overflow">
@@ -37886,7 +39321,7 @@
         </p:nvGraphicFramePr>
         <p:xfrm>
           <a:off x="611188" y="1600200"/>
-          <a:ext cx="7777162" cy="2103120"/>
+          <a:ext cx="7777162" cy="2712720"/>
         </p:xfrm>
         <a:graphic>
           <a:graphicData uri="http://schemas.openxmlformats.org/drawingml/2006/table">
@@ -39379,7 +40814,7 @@
                         <a:tabLst/>
                       </a:pPr>
                       <a:r>
-                        <a:rPr kumimoji="0" lang="en-US" altLang="zh-CN" sz="1400" b="0" i="1" u="none" strike="noStrike" cap="none" normalizeH="0" baseline="0" smtClean="0">
+                        <a:rPr kumimoji="0" lang="en-US" altLang="zh-CN" sz="1400" b="0" i="1" u="none" strike="noStrike" cap="none" normalizeH="0" baseline="0" dirty="0" smtClean="0">
                           <a:ln>
                             <a:noFill/>
                           </a:ln>
@@ -39549,7 +40984,7 @@
                         <a:tabLst/>
                       </a:pPr>
                       <a:r>
-                        <a:rPr kumimoji="0" lang="en-US" altLang="zh-CN" sz="1400" b="0" i="0" u="none" strike="noStrike" cap="none" normalizeH="0" baseline="0" smtClean="0">
+                        <a:rPr kumimoji="0" lang="en-US" altLang="zh-CN" sz="1400" b="0" i="0" u="none" strike="noStrike" cap="none" normalizeH="0" baseline="0" dirty="0" smtClean="0">
                           <a:ln>
                             <a:noFill/>
                           </a:ln>
@@ -39562,7 +40997,515 @@
                         </a:rPr>
                         <a:t>WKT()</a:t>
                       </a:r>
-                      <a:endParaRPr kumimoji="0" lang="zh-CN" altLang="en-US" sz="1400" b="0" i="0" u="none" strike="noStrike" cap="none" normalizeH="0" baseline="0" smtClean="0">
+                      <a:endParaRPr kumimoji="0" lang="zh-CN" altLang="en-US" sz="1400" b="0" i="0" u="none" strike="noStrike" cap="none" normalizeH="0" baseline="0" dirty="0" smtClean="0">
+                        <a:ln>
+                          <a:noFill/>
+                        </a:ln>
+                        <a:solidFill>
+                          <a:srgbClr val="000000"/>
+                        </a:solidFill>
+                        <a:effectLst/>
+                        <a:latin typeface="Arial" charset="0"/>
+                        <a:ea typeface="华文新魏" pitchFamily="2" charset="-122"/>
+                      </a:endParaRPr>
+                    </a:p>
+                  </a:txBody>
+                  <a:tcPr horzOverflow="overflow">
+                    <a:lnL w="12700" cap="flat" cmpd="sng" algn="ctr">
+                      <a:solidFill>
+                        <a:schemeClr val="bg1"/>
+                      </a:solidFill>
+                      <a:prstDash val="solid"/>
+                      <a:round/>
+                      <a:headEnd type="none" w="med" len="med"/>
+                      <a:tailEnd type="none" w="med" len="med"/>
+                    </a:lnL>
+                    <a:lnR w="12700" cap="flat" cmpd="sng" algn="ctr">
+                      <a:solidFill>
+                        <a:schemeClr val="bg1"/>
+                      </a:solidFill>
+                      <a:prstDash val="solid"/>
+                      <a:round/>
+                      <a:headEnd type="none" w="med" len="med"/>
+                      <a:tailEnd type="none" w="med" len="med"/>
+                    </a:lnR>
+                    <a:lnT w="12700" cap="flat" cmpd="sng" algn="ctr">
+                      <a:solidFill>
+                        <a:schemeClr val="bg1"/>
+                      </a:solidFill>
+                      <a:prstDash val="solid"/>
+                      <a:round/>
+                      <a:headEnd type="none" w="med" len="med"/>
+                      <a:tailEnd type="none" w="med" len="med"/>
+                    </a:lnT>
+                    <a:lnB w="12700" cap="flat" cmpd="sng" algn="ctr">
+                      <a:solidFill>
+                        <a:schemeClr val="bg1"/>
+                      </a:solidFill>
+                      <a:prstDash val="solid"/>
+                      <a:round/>
+                      <a:headEnd type="none" w="med" len="med"/>
+                      <a:tailEnd type="none" w="med" len="med"/>
+                    </a:lnB>
+                    <a:lnTlToBr>
+                      <a:noFill/>
+                    </a:lnTlToBr>
+                    <a:lnBlToTr>
+                      <a:noFill/>
+                    </a:lnBlToTr>
+                    <a:solidFill>
+                      <a:srgbClr val="F9D8CC"/>
+                    </a:solidFill>
+                  </a:tcPr>
+                </a:tc>
+              </a:tr>
+              <a:tr h="180975">
+                <a:tc>
+                  <a:txBody>
+                    <a:bodyPr/>
+                    <a:lstStyle/>
+                    <a:p>
+                      <a:pPr marL="0" marR="0" lvl="0" indent="0" algn="l" defTabSz="914400" rtl="0" eaLnBrk="1" fontAlgn="base" latinLnBrk="0" hangingPunct="1">
+                        <a:lnSpc>
+                          <a:spcPct val="100000"/>
+                        </a:lnSpc>
+                        <a:spcBef>
+                          <a:spcPct val="0"/>
+                        </a:spcBef>
+                        <a:spcAft>
+                          <a:spcPct val="0"/>
+                        </a:spcAft>
+                        <a:buClrTx/>
+                        <a:buSzTx/>
+                        <a:buFontTx/>
+                        <a:buNone/>
+                        <a:tabLst/>
+                      </a:pPr>
+                      <a:r>
+                        <a:rPr kumimoji="0" lang="en-US" altLang="zh-CN" sz="1400" b="0" i="1" u="none" strike="noStrike" cap="none" normalizeH="0" baseline="0" dirty="0" smtClean="0">
+                          <a:ln>
+                            <a:noFill/>
+                          </a:ln>
+                          <a:solidFill>
+                            <a:srgbClr val="000000"/>
+                          </a:solidFill>
+                          <a:effectLst/>
+                          <a:latin typeface="Arial" charset="0"/>
+                          <a:ea typeface="华文新魏" pitchFamily="2" charset="-122"/>
+                        </a:rPr>
+                        <a:t>CENX</a:t>
+                      </a:r>
+                    </a:p>
+                  </a:txBody>
+                  <a:tcPr horzOverflow="overflow">
+                    <a:lnL w="12700" cap="flat" cmpd="sng" algn="ctr">
+                      <a:solidFill>
+                        <a:schemeClr val="bg1"/>
+                      </a:solidFill>
+                      <a:prstDash val="solid"/>
+                      <a:round/>
+                      <a:headEnd type="none" w="med" len="med"/>
+                      <a:tailEnd type="none" w="med" len="med"/>
+                    </a:lnL>
+                    <a:lnR w="12700" cap="flat" cmpd="sng" algn="ctr">
+                      <a:solidFill>
+                        <a:schemeClr val="bg1"/>
+                      </a:solidFill>
+                      <a:prstDash val="solid"/>
+                      <a:round/>
+                      <a:headEnd type="none" w="med" len="med"/>
+                      <a:tailEnd type="none" w="med" len="med"/>
+                    </a:lnR>
+                    <a:lnT w="12700" cap="flat" cmpd="sng" algn="ctr">
+                      <a:solidFill>
+                        <a:schemeClr val="bg1"/>
+                      </a:solidFill>
+                      <a:prstDash val="solid"/>
+                      <a:round/>
+                      <a:headEnd type="none" w="med" len="med"/>
+                      <a:tailEnd type="none" w="med" len="med"/>
+                    </a:lnT>
+                    <a:lnB w="12700" cap="flat" cmpd="sng" algn="ctr">
+                      <a:solidFill>
+                        <a:schemeClr val="bg1"/>
+                      </a:solidFill>
+                      <a:prstDash val="solid"/>
+                      <a:round/>
+                      <a:headEnd type="none" w="med" len="med"/>
+                      <a:tailEnd type="none" w="med" len="med"/>
+                    </a:lnB>
+                    <a:lnTlToBr>
+                      <a:noFill/>
+                    </a:lnTlToBr>
+                    <a:lnBlToTr>
+                      <a:noFill/>
+                    </a:lnBlToTr>
+                    <a:solidFill>
+                      <a:srgbClr val="F9D8CC"/>
+                    </a:solidFill>
+                  </a:tcPr>
+                </a:tc>
+                <a:tc>
+                  <a:txBody>
+                    <a:bodyPr/>
+                    <a:lstStyle/>
+                    <a:p>
+                      <a:pPr marL="0" marR="0" lvl="0" indent="0" algn="l" defTabSz="914400" rtl="0" eaLnBrk="1" fontAlgn="base" latinLnBrk="0" hangingPunct="1">
+                        <a:lnSpc>
+                          <a:spcPct val="100000"/>
+                        </a:lnSpc>
+                        <a:spcBef>
+                          <a:spcPct val="0"/>
+                        </a:spcBef>
+                        <a:spcAft>
+                          <a:spcPct val="0"/>
+                        </a:spcAft>
+                        <a:buClrTx/>
+                        <a:buSzTx/>
+                        <a:buFontTx/>
+                        <a:buNone/>
+                        <a:tabLst/>
+                      </a:pPr>
+                      <a:r>
+                        <a:rPr kumimoji="0" lang="zh-CN" altLang="en-US" sz="1400" b="0" i="0" u="none" strike="noStrike" cap="none" normalizeH="0" baseline="0" dirty="0" smtClean="0">
+                          <a:ln>
+                            <a:noFill/>
+                          </a:ln>
+                          <a:solidFill>
+                            <a:srgbClr val="000000"/>
+                          </a:solidFill>
+                          <a:effectLst/>
+                          <a:latin typeface="Constantia" pitchFamily="18" charset="0"/>
+                          <a:ea typeface="华文新魏" pitchFamily="2" charset="-122"/>
+                        </a:rPr>
+                        <a:t>经度投影值</a:t>
+                      </a:r>
+                    </a:p>
+                  </a:txBody>
+                  <a:tcPr horzOverflow="overflow">
+                    <a:lnL w="12700" cap="flat" cmpd="sng" algn="ctr">
+                      <a:solidFill>
+                        <a:schemeClr val="bg1"/>
+                      </a:solidFill>
+                      <a:prstDash val="solid"/>
+                      <a:round/>
+                      <a:headEnd type="none" w="med" len="med"/>
+                      <a:tailEnd type="none" w="med" len="med"/>
+                    </a:lnL>
+                    <a:lnR w="12700" cap="flat" cmpd="sng" algn="ctr">
+                      <a:solidFill>
+                        <a:schemeClr val="bg1"/>
+                      </a:solidFill>
+                      <a:prstDash val="solid"/>
+                      <a:round/>
+                      <a:headEnd type="none" w="med" len="med"/>
+                      <a:tailEnd type="none" w="med" len="med"/>
+                    </a:lnR>
+                    <a:lnT w="12700" cap="flat" cmpd="sng" algn="ctr">
+                      <a:solidFill>
+                        <a:schemeClr val="bg1"/>
+                      </a:solidFill>
+                      <a:prstDash val="solid"/>
+                      <a:round/>
+                      <a:headEnd type="none" w="med" len="med"/>
+                      <a:tailEnd type="none" w="med" len="med"/>
+                    </a:lnT>
+                    <a:lnB w="12700" cap="flat" cmpd="sng" algn="ctr">
+                      <a:solidFill>
+                        <a:schemeClr val="bg1"/>
+                      </a:solidFill>
+                      <a:prstDash val="solid"/>
+                      <a:round/>
+                      <a:headEnd type="none" w="med" len="med"/>
+                      <a:tailEnd type="none" w="med" len="med"/>
+                    </a:lnB>
+                    <a:lnTlToBr>
+                      <a:noFill/>
+                    </a:lnTlToBr>
+                    <a:lnBlToTr>
+                      <a:noFill/>
+                    </a:lnBlToTr>
+                    <a:solidFill>
+                      <a:srgbClr val="F9D8CC"/>
+                    </a:solidFill>
+                  </a:tcPr>
+                </a:tc>
+                <a:tc>
+                  <a:txBody>
+                    <a:bodyPr/>
+                    <a:lstStyle/>
+                    <a:p>
+                      <a:pPr marL="0" marR="0" lvl="0" indent="0" algn="l" defTabSz="914400" rtl="0" eaLnBrk="1" fontAlgn="base" latinLnBrk="0" hangingPunct="1">
+                        <a:lnSpc>
+                          <a:spcPct val="100000"/>
+                        </a:lnSpc>
+                        <a:spcBef>
+                          <a:spcPct val="0"/>
+                        </a:spcBef>
+                        <a:spcAft>
+                          <a:spcPct val="0"/>
+                        </a:spcAft>
+                        <a:buClrTx/>
+                        <a:buSzTx/>
+                        <a:buFontTx/>
+                        <a:buNone/>
+                        <a:tabLst/>
+                      </a:pPr>
+                      <a:endParaRPr kumimoji="0" lang="zh-CN" altLang="en-US" sz="1400" b="0" i="0" u="none" strike="noStrike" cap="none" normalizeH="0" baseline="0" dirty="0" smtClean="0">
+                        <a:ln>
+                          <a:noFill/>
+                        </a:ln>
+                        <a:solidFill>
+                          <a:srgbClr val="000000"/>
+                        </a:solidFill>
+                        <a:effectLst/>
+                        <a:latin typeface="Arial" charset="0"/>
+                        <a:ea typeface="华文新魏" pitchFamily="2" charset="-122"/>
+                      </a:endParaRPr>
+                    </a:p>
+                  </a:txBody>
+                  <a:tcPr horzOverflow="overflow">
+                    <a:lnL w="12700" cap="flat" cmpd="sng" algn="ctr">
+                      <a:solidFill>
+                        <a:schemeClr val="bg1"/>
+                      </a:solidFill>
+                      <a:prstDash val="solid"/>
+                      <a:round/>
+                      <a:headEnd type="none" w="med" len="med"/>
+                      <a:tailEnd type="none" w="med" len="med"/>
+                    </a:lnL>
+                    <a:lnR w="12700" cap="flat" cmpd="sng" algn="ctr">
+                      <a:solidFill>
+                        <a:schemeClr val="bg1"/>
+                      </a:solidFill>
+                      <a:prstDash val="solid"/>
+                      <a:round/>
+                      <a:headEnd type="none" w="med" len="med"/>
+                      <a:tailEnd type="none" w="med" len="med"/>
+                    </a:lnR>
+                    <a:lnT w="12700" cap="flat" cmpd="sng" algn="ctr">
+                      <a:solidFill>
+                        <a:schemeClr val="bg1"/>
+                      </a:solidFill>
+                      <a:prstDash val="solid"/>
+                      <a:round/>
+                      <a:headEnd type="none" w="med" len="med"/>
+                      <a:tailEnd type="none" w="med" len="med"/>
+                    </a:lnT>
+                    <a:lnB w="12700" cap="flat" cmpd="sng" algn="ctr">
+                      <a:solidFill>
+                        <a:schemeClr val="bg1"/>
+                      </a:solidFill>
+                      <a:prstDash val="solid"/>
+                      <a:round/>
+                      <a:headEnd type="none" w="med" len="med"/>
+                      <a:tailEnd type="none" w="med" len="med"/>
+                    </a:lnB>
+                    <a:lnTlToBr>
+                      <a:noFill/>
+                    </a:lnTlToBr>
+                    <a:lnBlToTr>
+                      <a:noFill/>
+                    </a:lnBlToTr>
+                    <a:solidFill>
+                      <a:srgbClr val="F9D8CC"/>
+                    </a:solidFill>
+                  </a:tcPr>
+                </a:tc>
+              </a:tr>
+              <a:tr h="180975">
+                <a:tc>
+                  <a:txBody>
+                    <a:bodyPr/>
+                    <a:lstStyle/>
+                    <a:p>
+                      <a:pPr marL="0" marR="0" lvl="0" indent="0" algn="l" defTabSz="914400" rtl="0" eaLnBrk="1" fontAlgn="base" latinLnBrk="0" hangingPunct="1">
+                        <a:lnSpc>
+                          <a:spcPct val="100000"/>
+                        </a:lnSpc>
+                        <a:spcBef>
+                          <a:spcPct val="0"/>
+                        </a:spcBef>
+                        <a:spcAft>
+                          <a:spcPct val="0"/>
+                        </a:spcAft>
+                        <a:buClrTx/>
+                        <a:buSzTx/>
+                        <a:buFontTx/>
+                        <a:buNone/>
+                        <a:tabLst/>
+                      </a:pPr>
+                      <a:r>
+                        <a:rPr kumimoji="0" lang="en-US" altLang="zh-CN" sz="1400" b="0" i="1" u="none" strike="noStrike" cap="none" normalizeH="0" baseline="0" dirty="0" smtClean="0">
+                          <a:ln>
+                            <a:noFill/>
+                          </a:ln>
+                          <a:solidFill>
+                            <a:srgbClr val="000000"/>
+                          </a:solidFill>
+                          <a:effectLst/>
+                          <a:latin typeface="Arial" charset="0"/>
+                          <a:ea typeface="华文新魏" pitchFamily="2" charset="-122"/>
+                        </a:rPr>
+                        <a:t>CENY</a:t>
+                      </a:r>
+                    </a:p>
+                  </a:txBody>
+                  <a:tcPr horzOverflow="overflow">
+                    <a:lnL w="12700" cap="flat" cmpd="sng" algn="ctr">
+                      <a:solidFill>
+                        <a:schemeClr val="bg1"/>
+                      </a:solidFill>
+                      <a:prstDash val="solid"/>
+                      <a:round/>
+                      <a:headEnd type="none" w="med" len="med"/>
+                      <a:tailEnd type="none" w="med" len="med"/>
+                    </a:lnL>
+                    <a:lnR w="12700" cap="flat" cmpd="sng" algn="ctr">
+                      <a:solidFill>
+                        <a:schemeClr val="bg1"/>
+                      </a:solidFill>
+                      <a:prstDash val="solid"/>
+                      <a:round/>
+                      <a:headEnd type="none" w="med" len="med"/>
+                      <a:tailEnd type="none" w="med" len="med"/>
+                    </a:lnR>
+                    <a:lnT w="12700" cap="flat" cmpd="sng" algn="ctr">
+                      <a:solidFill>
+                        <a:schemeClr val="bg1"/>
+                      </a:solidFill>
+                      <a:prstDash val="solid"/>
+                      <a:round/>
+                      <a:headEnd type="none" w="med" len="med"/>
+                      <a:tailEnd type="none" w="med" len="med"/>
+                    </a:lnT>
+                    <a:lnB w="12700" cap="flat" cmpd="sng" algn="ctr">
+                      <a:solidFill>
+                        <a:schemeClr val="bg1"/>
+                      </a:solidFill>
+                      <a:prstDash val="solid"/>
+                      <a:round/>
+                      <a:headEnd type="none" w="med" len="med"/>
+                      <a:tailEnd type="none" w="med" len="med"/>
+                    </a:lnB>
+                    <a:lnTlToBr>
+                      <a:noFill/>
+                    </a:lnTlToBr>
+                    <a:lnBlToTr>
+                      <a:noFill/>
+                    </a:lnBlToTr>
+                    <a:solidFill>
+                      <a:srgbClr val="F9D8CC"/>
+                    </a:solidFill>
+                  </a:tcPr>
+                </a:tc>
+                <a:tc>
+                  <a:txBody>
+                    <a:bodyPr/>
+                    <a:lstStyle/>
+                    <a:p>
+                      <a:pPr marL="0" marR="0" lvl="0" indent="0" algn="l" defTabSz="914400" rtl="0" eaLnBrk="1" fontAlgn="base" latinLnBrk="0" hangingPunct="1">
+                        <a:lnSpc>
+                          <a:spcPct val="100000"/>
+                        </a:lnSpc>
+                        <a:spcBef>
+                          <a:spcPct val="0"/>
+                        </a:spcBef>
+                        <a:spcAft>
+                          <a:spcPct val="0"/>
+                        </a:spcAft>
+                        <a:buClrTx/>
+                        <a:buSzTx/>
+                        <a:buFontTx/>
+                        <a:buNone/>
+                        <a:tabLst/>
+                      </a:pPr>
+                      <a:r>
+                        <a:rPr kumimoji="0" lang="zh-CN" altLang="en-US" sz="1400" b="0" i="0" u="none" strike="noStrike" cap="none" normalizeH="0" baseline="0" dirty="0" smtClean="0">
+                          <a:ln>
+                            <a:noFill/>
+                          </a:ln>
+                          <a:solidFill>
+                            <a:srgbClr val="000000"/>
+                          </a:solidFill>
+                          <a:effectLst/>
+                          <a:latin typeface="Constantia" pitchFamily="18" charset="0"/>
+                          <a:ea typeface="华文新魏" pitchFamily="2" charset="-122"/>
+                        </a:rPr>
+                        <a:t>纬度投影值</a:t>
+                      </a:r>
+                    </a:p>
+                  </a:txBody>
+                  <a:tcPr horzOverflow="overflow">
+                    <a:lnL w="12700" cap="flat" cmpd="sng" algn="ctr">
+                      <a:solidFill>
+                        <a:schemeClr val="bg1"/>
+                      </a:solidFill>
+                      <a:prstDash val="solid"/>
+                      <a:round/>
+                      <a:headEnd type="none" w="med" len="med"/>
+                      <a:tailEnd type="none" w="med" len="med"/>
+                    </a:lnL>
+                    <a:lnR w="12700" cap="flat" cmpd="sng" algn="ctr">
+                      <a:solidFill>
+                        <a:schemeClr val="bg1"/>
+                      </a:solidFill>
+                      <a:prstDash val="solid"/>
+                      <a:round/>
+                      <a:headEnd type="none" w="med" len="med"/>
+                      <a:tailEnd type="none" w="med" len="med"/>
+                    </a:lnR>
+                    <a:lnT w="12700" cap="flat" cmpd="sng" algn="ctr">
+                      <a:solidFill>
+                        <a:schemeClr val="bg1"/>
+                      </a:solidFill>
+                      <a:prstDash val="solid"/>
+                      <a:round/>
+                      <a:headEnd type="none" w="med" len="med"/>
+                      <a:tailEnd type="none" w="med" len="med"/>
+                    </a:lnT>
+                    <a:lnB w="12700" cap="flat" cmpd="sng" algn="ctr">
+                      <a:solidFill>
+                        <a:schemeClr val="bg1"/>
+                      </a:solidFill>
+                      <a:prstDash val="solid"/>
+                      <a:round/>
+                      <a:headEnd type="none" w="med" len="med"/>
+                      <a:tailEnd type="none" w="med" len="med"/>
+                    </a:lnB>
+                    <a:lnTlToBr>
+                      <a:noFill/>
+                    </a:lnTlToBr>
+                    <a:lnBlToTr>
+                      <a:noFill/>
+                    </a:lnBlToTr>
+                    <a:solidFill>
+                      <a:srgbClr val="F9D8CC"/>
+                    </a:solidFill>
+                  </a:tcPr>
+                </a:tc>
+                <a:tc>
+                  <a:txBody>
+                    <a:bodyPr/>
+                    <a:lstStyle/>
+                    <a:p>
+                      <a:pPr marL="0" marR="0" lvl="0" indent="0" algn="l" defTabSz="914400" rtl="0" eaLnBrk="1" fontAlgn="base" latinLnBrk="0" hangingPunct="1">
+                        <a:lnSpc>
+                          <a:spcPct val="100000"/>
+                        </a:lnSpc>
+                        <a:spcBef>
+                          <a:spcPct val="0"/>
+                        </a:spcBef>
+                        <a:spcAft>
+                          <a:spcPct val="0"/>
+                        </a:spcAft>
+                        <a:buClrTx/>
+                        <a:buSzTx/>
+                        <a:buFontTx/>
+                        <a:buNone/>
+                        <a:tabLst/>
+                      </a:pPr>
+                      <a:endParaRPr kumimoji="0" lang="zh-CN" altLang="en-US" sz="1400" b="0" i="0" u="none" strike="noStrike" cap="none" normalizeH="0" baseline="0" dirty="0" smtClean="0">
                         <a:ln>
                           <a:noFill/>
                         </a:ln>
@@ -39722,7 +41665,7 @@
         </p:nvGraphicFramePr>
         <p:xfrm>
           <a:off x="611188" y="1600200"/>
-          <a:ext cx="7777162" cy="2804160"/>
+          <a:ext cx="7777162" cy="3413760"/>
         </p:xfrm>
         <a:graphic>
           <a:graphicData uri="http://schemas.openxmlformats.org/drawingml/2006/table">
@@ -41863,7 +43806,7 @@
                         <a:tabLst/>
                       </a:pPr>
                       <a:r>
-                        <a:rPr kumimoji="0" lang="en-US" altLang="zh-CN" sz="1400" b="0" i="1" u="none" strike="noStrike" cap="none" normalizeH="0" baseline="0" smtClean="0">
+                        <a:rPr kumimoji="0" lang="en-US" altLang="zh-CN" sz="1400" b="0" i="1" u="none" strike="noStrike" cap="none" normalizeH="0" baseline="0" dirty="0" smtClean="0">
                           <a:ln>
                             <a:noFill/>
                           </a:ln>
@@ -42033,7 +43976,7 @@
                         <a:tabLst/>
                       </a:pPr>
                       <a:r>
-                        <a:rPr kumimoji="0" lang="en-US" altLang="zh-CN" sz="1400" b="0" i="0" u="none" strike="noStrike" cap="none" normalizeH="0" baseline="0" smtClean="0">
+                        <a:rPr kumimoji="0" lang="en-US" altLang="zh-CN" sz="1400" b="0" i="0" u="none" strike="noStrike" cap="none" normalizeH="0" baseline="0" dirty="0" smtClean="0">
                           <a:ln>
                             <a:noFill/>
                           </a:ln>
@@ -42046,7 +43989,515 @@
                         </a:rPr>
                         <a:t>WKT()</a:t>
                       </a:r>
-                      <a:endParaRPr kumimoji="0" lang="zh-CN" altLang="en-US" sz="1400" b="0" i="0" u="none" strike="noStrike" cap="none" normalizeH="0" baseline="0" smtClean="0">
+                      <a:endParaRPr kumimoji="0" lang="zh-CN" altLang="en-US" sz="1400" b="0" i="0" u="none" strike="noStrike" cap="none" normalizeH="0" baseline="0" dirty="0" smtClean="0">
+                        <a:ln>
+                          <a:noFill/>
+                        </a:ln>
+                        <a:solidFill>
+                          <a:srgbClr val="000000"/>
+                        </a:solidFill>
+                        <a:effectLst/>
+                        <a:latin typeface="Arial" charset="0"/>
+                        <a:ea typeface="华文新魏" pitchFamily="2" charset="-122"/>
+                      </a:endParaRPr>
+                    </a:p>
+                  </a:txBody>
+                  <a:tcPr horzOverflow="overflow">
+                    <a:lnL w="12700" cap="flat" cmpd="sng" algn="ctr">
+                      <a:solidFill>
+                        <a:schemeClr val="bg1"/>
+                      </a:solidFill>
+                      <a:prstDash val="solid"/>
+                      <a:round/>
+                      <a:headEnd type="none" w="med" len="med"/>
+                      <a:tailEnd type="none" w="med" len="med"/>
+                    </a:lnL>
+                    <a:lnR w="12700" cap="flat" cmpd="sng" algn="ctr">
+                      <a:solidFill>
+                        <a:schemeClr val="bg1"/>
+                      </a:solidFill>
+                      <a:prstDash val="solid"/>
+                      <a:round/>
+                      <a:headEnd type="none" w="med" len="med"/>
+                      <a:tailEnd type="none" w="med" len="med"/>
+                    </a:lnR>
+                    <a:lnT w="12700" cap="flat" cmpd="sng" algn="ctr">
+                      <a:solidFill>
+                        <a:schemeClr val="bg1"/>
+                      </a:solidFill>
+                      <a:prstDash val="solid"/>
+                      <a:round/>
+                      <a:headEnd type="none" w="med" len="med"/>
+                      <a:tailEnd type="none" w="med" len="med"/>
+                    </a:lnT>
+                    <a:lnB w="12700" cap="flat" cmpd="sng" algn="ctr">
+                      <a:solidFill>
+                        <a:schemeClr val="bg1"/>
+                      </a:solidFill>
+                      <a:prstDash val="solid"/>
+                      <a:round/>
+                      <a:headEnd type="none" w="med" len="med"/>
+                      <a:tailEnd type="none" w="med" len="med"/>
+                    </a:lnB>
+                    <a:lnTlToBr>
+                      <a:noFill/>
+                    </a:lnTlToBr>
+                    <a:lnBlToTr>
+                      <a:noFill/>
+                    </a:lnBlToTr>
+                    <a:solidFill>
+                      <a:srgbClr val="FCECE7"/>
+                    </a:solidFill>
+                  </a:tcPr>
+                </a:tc>
+              </a:tr>
+              <a:tr h="180975">
+                <a:tc>
+                  <a:txBody>
+                    <a:bodyPr/>
+                    <a:lstStyle/>
+                    <a:p>
+                      <a:pPr marL="0" marR="0" lvl="0" indent="0" algn="l" defTabSz="914400" rtl="0" eaLnBrk="1" fontAlgn="base" latinLnBrk="0" hangingPunct="1">
+                        <a:lnSpc>
+                          <a:spcPct val="100000"/>
+                        </a:lnSpc>
+                        <a:spcBef>
+                          <a:spcPct val="0"/>
+                        </a:spcBef>
+                        <a:spcAft>
+                          <a:spcPct val="0"/>
+                        </a:spcAft>
+                        <a:buClrTx/>
+                        <a:buSzTx/>
+                        <a:buFontTx/>
+                        <a:buNone/>
+                        <a:tabLst/>
+                      </a:pPr>
+                      <a:r>
+                        <a:rPr kumimoji="0" lang="en-US" altLang="zh-CN" sz="1400" b="0" i="1" u="none" strike="noStrike" cap="none" normalizeH="0" baseline="0" dirty="0" smtClean="0">
+                          <a:ln>
+                            <a:noFill/>
+                          </a:ln>
+                          <a:solidFill>
+                            <a:srgbClr val="000000"/>
+                          </a:solidFill>
+                          <a:effectLst/>
+                          <a:latin typeface="Arial" charset="0"/>
+                          <a:ea typeface="华文新魏" pitchFamily="2" charset="-122"/>
+                        </a:rPr>
+                        <a:t>CENX</a:t>
+                      </a:r>
+                    </a:p>
+                  </a:txBody>
+                  <a:tcPr horzOverflow="overflow">
+                    <a:lnL w="12700" cap="flat" cmpd="sng" algn="ctr">
+                      <a:solidFill>
+                        <a:schemeClr val="bg1"/>
+                      </a:solidFill>
+                      <a:prstDash val="solid"/>
+                      <a:round/>
+                      <a:headEnd type="none" w="med" len="med"/>
+                      <a:tailEnd type="none" w="med" len="med"/>
+                    </a:lnL>
+                    <a:lnR w="12700" cap="flat" cmpd="sng" algn="ctr">
+                      <a:solidFill>
+                        <a:schemeClr val="bg1"/>
+                      </a:solidFill>
+                      <a:prstDash val="solid"/>
+                      <a:round/>
+                      <a:headEnd type="none" w="med" len="med"/>
+                      <a:tailEnd type="none" w="med" len="med"/>
+                    </a:lnR>
+                    <a:lnT w="12700" cap="flat" cmpd="sng" algn="ctr">
+                      <a:solidFill>
+                        <a:schemeClr val="bg1"/>
+                      </a:solidFill>
+                      <a:prstDash val="solid"/>
+                      <a:round/>
+                      <a:headEnd type="none" w="med" len="med"/>
+                      <a:tailEnd type="none" w="med" len="med"/>
+                    </a:lnT>
+                    <a:lnB w="12700" cap="flat" cmpd="sng" algn="ctr">
+                      <a:solidFill>
+                        <a:schemeClr val="bg1"/>
+                      </a:solidFill>
+                      <a:prstDash val="solid"/>
+                      <a:round/>
+                      <a:headEnd type="none" w="med" len="med"/>
+                      <a:tailEnd type="none" w="med" len="med"/>
+                    </a:lnB>
+                    <a:lnTlToBr>
+                      <a:noFill/>
+                    </a:lnTlToBr>
+                    <a:lnBlToTr>
+                      <a:noFill/>
+                    </a:lnBlToTr>
+                    <a:solidFill>
+                      <a:srgbClr val="FCECE7"/>
+                    </a:solidFill>
+                  </a:tcPr>
+                </a:tc>
+                <a:tc>
+                  <a:txBody>
+                    <a:bodyPr/>
+                    <a:lstStyle/>
+                    <a:p>
+                      <a:pPr marL="0" marR="0" lvl="0" indent="0" algn="l" defTabSz="914400" rtl="0" eaLnBrk="1" fontAlgn="base" latinLnBrk="0" hangingPunct="1">
+                        <a:lnSpc>
+                          <a:spcPct val="100000"/>
+                        </a:lnSpc>
+                        <a:spcBef>
+                          <a:spcPct val="0"/>
+                        </a:spcBef>
+                        <a:spcAft>
+                          <a:spcPct val="0"/>
+                        </a:spcAft>
+                        <a:buClrTx/>
+                        <a:buSzTx/>
+                        <a:buFontTx/>
+                        <a:buNone/>
+                        <a:tabLst/>
+                      </a:pPr>
+                      <a:r>
+                        <a:rPr kumimoji="0" lang="zh-CN" altLang="en-US" sz="1400" b="0" i="0" u="none" strike="noStrike" cap="none" normalizeH="0" baseline="0" dirty="0" smtClean="0">
+                          <a:ln>
+                            <a:noFill/>
+                          </a:ln>
+                          <a:solidFill>
+                            <a:srgbClr val="000000"/>
+                          </a:solidFill>
+                          <a:effectLst/>
+                          <a:latin typeface="Constantia" pitchFamily="18" charset="0"/>
+                          <a:ea typeface="华文新魏" pitchFamily="2" charset="-122"/>
+                        </a:rPr>
+                        <a:t>经度投影值</a:t>
+                      </a:r>
+                    </a:p>
+                  </a:txBody>
+                  <a:tcPr horzOverflow="overflow">
+                    <a:lnL w="12700" cap="flat" cmpd="sng" algn="ctr">
+                      <a:solidFill>
+                        <a:schemeClr val="bg1"/>
+                      </a:solidFill>
+                      <a:prstDash val="solid"/>
+                      <a:round/>
+                      <a:headEnd type="none" w="med" len="med"/>
+                      <a:tailEnd type="none" w="med" len="med"/>
+                    </a:lnL>
+                    <a:lnR w="12700" cap="flat" cmpd="sng" algn="ctr">
+                      <a:solidFill>
+                        <a:schemeClr val="bg1"/>
+                      </a:solidFill>
+                      <a:prstDash val="solid"/>
+                      <a:round/>
+                      <a:headEnd type="none" w="med" len="med"/>
+                      <a:tailEnd type="none" w="med" len="med"/>
+                    </a:lnR>
+                    <a:lnT w="12700" cap="flat" cmpd="sng" algn="ctr">
+                      <a:solidFill>
+                        <a:schemeClr val="bg1"/>
+                      </a:solidFill>
+                      <a:prstDash val="solid"/>
+                      <a:round/>
+                      <a:headEnd type="none" w="med" len="med"/>
+                      <a:tailEnd type="none" w="med" len="med"/>
+                    </a:lnT>
+                    <a:lnB w="12700" cap="flat" cmpd="sng" algn="ctr">
+                      <a:solidFill>
+                        <a:schemeClr val="bg1"/>
+                      </a:solidFill>
+                      <a:prstDash val="solid"/>
+                      <a:round/>
+                      <a:headEnd type="none" w="med" len="med"/>
+                      <a:tailEnd type="none" w="med" len="med"/>
+                    </a:lnB>
+                    <a:lnTlToBr>
+                      <a:noFill/>
+                    </a:lnTlToBr>
+                    <a:lnBlToTr>
+                      <a:noFill/>
+                    </a:lnBlToTr>
+                    <a:solidFill>
+                      <a:srgbClr val="FCECE7"/>
+                    </a:solidFill>
+                  </a:tcPr>
+                </a:tc>
+                <a:tc>
+                  <a:txBody>
+                    <a:bodyPr/>
+                    <a:lstStyle/>
+                    <a:p>
+                      <a:pPr marL="0" marR="0" lvl="0" indent="0" algn="l" defTabSz="914400" rtl="0" eaLnBrk="1" fontAlgn="base" latinLnBrk="0" hangingPunct="1">
+                        <a:lnSpc>
+                          <a:spcPct val="100000"/>
+                        </a:lnSpc>
+                        <a:spcBef>
+                          <a:spcPct val="0"/>
+                        </a:spcBef>
+                        <a:spcAft>
+                          <a:spcPct val="0"/>
+                        </a:spcAft>
+                        <a:buClrTx/>
+                        <a:buSzTx/>
+                        <a:buFontTx/>
+                        <a:buNone/>
+                        <a:tabLst/>
+                      </a:pPr>
+                      <a:endParaRPr kumimoji="0" lang="zh-CN" altLang="en-US" sz="1400" b="0" i="0" u="none" strike="noStrike" cap="none" normalizeH="0" baseline="0" dirty="0" smtClean="0">
+                        <a:ln>
+                          <a:noFill/>
+                        </a:ln>
+                        <a:solidFill>
+                          <a:srgbClr val="000000"/>
+                        </a:solidFill>
+                        <a:effectLst/>
+                        <a:latin typeface="Arial" charset="0"/>
+                        <a:ea typeface="华文新魏" pitchFamily="2" charset="-122"/>
+                      </a:endParaRPr>
+                    </a:p>
+                  </a:txBody>
+                  <a:tcPr horzOverflow="overflow">
+                    <a:lnL w="12700" cap="flat" cmpd="sng" algn="ctr">
+                      <a:solidFill>
+                        <a:schemeClr val="bg1"/>
+                      </a:solidFill>
+                      <a:prstDash val="solid"/>
+                      <a:round/>
+                      <a:headEnd type="none" w="med" len="med"/>
+                      <a:tailEnd type="none" w="med" len="med"/>
+                    </a:lnL>
+                    <a:lnR w="12700" cap="flat" cmpd="sng" algn="ctr">
+                      <a:solidFill>
+                        <a:schemeClr val="bg1"/>
+                      </a:solidFill>
+                      <a:prstDash val="solid"/>
+                      <a:round/>
+                      <a:headEnd type="none" w="med" len="med"/>
+                      <a:tailEnd type="none" w="med" len="med"/>
+                    </a:lnR>
+                    <a:lnT w="12700" cap="flat" cmpd="sng" algn="ctr">
+                      <a:solidFill>
+                        <a:schemeClr val="bg1"/>
+                      </a:solidFill>
+                      <a:prstDash val="solid"/>
+                      <a:round/>
+                      <a:headEnd type="none" w="med" len="med"/>
+                      <a:tailEnd type="none" w="med" len="med"/>
+                    </a:lnT>
+                    <a:lnB w="12700" cap="flat" cmpd="sng" algn="ctr">
+                      <a:solidFill>
+                        <a:schemeClr val="bg1"/>
+                      </a:solidFill>
+                      <a:prstDash val="solid"/>
+                      <a:round/>
+                      <a:headEnd type="none" w="med" len="med"/>
+                      <a:tailEnd type="none" w="med" len="med"/>
+                    </a:lnB>
+                    <a:lnTlToBr>
+                      <a:noFill/>
+                    </a:lnTlToBr>
+                    <a:lnBlToTr>
+                      <a:noFill/>
+                    </a:lnBlToTr>
+                    <a:solidFill>
+                      <a:srgbClr val="FCECE7"/>
+                    </a:solidFill>
+                  </a:tcPr>
+                </a:tc>
+              </a:tr>
+              <a:tr h="180975">
+                <a:tc>
+                  <a:txBody>
+                    <a:bodyPr/>
+                    <a:lstStyle/>
+                    <a:p>
+                      <a:pPr marL="0" marR="0" lvl="0" indent="0" algn="l" defTabSz="914400" rtl="0" eaLnBrk="1" fontAlgn="base" latinLnBrk="0" hangingPunct="1">
+                        <a:lnSpc>
+                          <a:spcPct val="100000"/>
+                        </a:lnSpc>
+                        <a:spcBef>
+                          <a:spcPct val="0"/>
+                        </a:spcBef>
+                        <a:spcAft>
+                          <a:spcPct val="0"/>
+                        </a:spcAft>
+                        <a:buClrTx/>
+                        <a:buSzTx/>
+                        <a:buFontTx/>
+                        <a:buNone/>
+                        <a:tabLst/>
+                      </a:pPr>
+                      <a:r>
+                        <a:rPr kumimoji="0" lang="en-US" altLang="zh-CN" sz="1400" b="0" i="1" u="none" strike="noStrike" cap="none" normalizeH="0" baseline="0" dirty="0" smtClean="0">
+                          <a:ln>
+                            <a:noFill/>
+                          </a:ln>
+                          <a:solidFill>
+                            <a:srgbClr val="000000"/>
+                          </a:solidFill>
+                          <a:effectLst/>
+                          <a:latin typeface="Arial" charset="0"/>
+                          <a:ea typeface="华文新魏" pitchFamily="2" charset="-122"/>
+                        </a:rPr>
+                        <a:t>CENY</a:t>
+                      </a:r>
+                    </a:p>
+                  </a:txBody>
+                  <a:tcPr horzOverflow="overflow">
+                    <a:lnL w="12700" cap="flat" cmpd="sng" algn="ctr">
+                      <a:solidFill>
+                        <a:schemeClr val="bg1"/>
+                      </a:solidFill>
+                      <a:prstDash val="solid"/>
+                      <a:round/>
+                      <a:headEnd type="none" w="med" len="med"/>
+                      <a:tailEnd type="none" w="med" len="med"/>
+                    </a:lnL>
+                    <a:lnR w="12700" cap="flat" cmpd="sng" algn="ctr">
+                      <a:solidFill>
+                        <a:schemeClr val="bg1"/>
+                      </a:solidFill>
+                      <a:prstDash val="solid"/>
+                      <a:round/>
+                      <a:headEnd type="none" w="med" len="med"/>
+                      <a:tailEnd type="none" w="med" len="med"/>
+                    </a:lnR>
+                    <a:lnT w="12700" cap="flat" cmpd="sng" algn="ctr">
+                      <a:solidFill>
+                        <a:schemeClr val="bg1"/>
+                      </a:solidFill>
+                      <a:prstDash val="solid"/>
+                      <a:round/>
+                      <a:headEnd type="none" w="med" len="med"/>
+                      <a:tailEnd type="none" w="med" len="med"/>
+                    </a:lnT>
+                    <a:lnB w="12700" cap="flat" cmpd="sng" algn="ctr">
+                      <a:solidFill>
+                        <a:schemeClr val="bg1"/>
+                      </a:solidFill>
+                      <a:prstDash val="solid"/>
+                      <a:round/>
+                      <a:headEnd type="none" w="med" len="med"/>
+                      <a:tailEnd type="none" w="med" len="med"/>
+                    </a:lnB>
+                    <a:lnTlToBr>
+                      <a:noFill/>
+                    </a:lnTlToBr>
+                    <a:lnBlToTr>
+                      <a:noFill/>
+                    </a:lnBlToTr>
+                    <a:solidFill>
+                      <a:srgbClr val="FCECE7"/>
+                    </a:solidFill>
+                  </a:tcPr>
+                </a:tc>
+                <a:tc>
+                  <a:txBody>
+                    <a:bodyPr/>
+                    <a:lstStyle/>
+                    <a:p>
+                      <a:pPr marL="0" marR="0" lvl="0" indent="0" algn="l" defTabSz="914400" rtl="0" eaLnBrk="1" fontAlgn="base" latinLnBrk="0" hangingPunct="1">
+                        <a:lnSpc>
+                          <a:spcPct val="100000"/>
+                        </a:lnSpc>
+                        <a:spcBef>
+                          <a:spcPct val="0"/>
+                        </a:spcBef>
+                        <a:spcAft>
+                          <a:spcPct val="0"/>
+                        </a:spcAft>
+                        <a:buClrTx/>
+                        <a:buSzTx/>
+                        <a:buFontTx/>
+                        <a:buNone/>
+                        <a:tabLst/>
+                      </a:pPr>
+                      <a:r>
+                        <a:rPr kumimoji="0" lang="zh-CN" altLang="en-US" sz="1400" b="0" i="0" u="none" strike="noStrike" cap="none" normalizeH="0" baseline="0" dirty="0" smtClean="0">
+                          <a:ln>
+                            <a:noFill/>
+                          </a:ln>
+                          <a:solidFill>
+                            <a:srgbClr val="000000"/>
+                          </a:solidFill>
+                          <a:effectLst/>
+                          <a:latin typeface="Constantia" pitchFamily="18" charset="0"/>
+                          <a:ea typeface="华文新魏" pitchFamily="2" charset="-122"/>
+                        </a:rPr>
+                        <a:t>纬度投影值</a:t>
+                      </a:r>
+                    </a:p>
+                  </a:txBody>
+                  <a:tcPr horzOverflow="overflow">
+                    <a:lnL w="12700" cap="flat" cmpd="sng" algn="ctr">
+                      <a:solidFill>
+                        <a:schemeClr val="bg1"/>
+                      </a:solidFill>
+                      <a:prstDash val="solid"/>
+                      <a:round/>
+                      <a:headEnd type="none" w="med" len="med"/>
+                      <a:tailEnd type="none" w="med" len="med"/>
+                    </a:lnL>
+                    <a:lnR w="12700" cap="flat" cmpd="sng" algn="ctr">
+                      <a:solidFill>
+                        <a:schemeClr val="bg1"/>
+                      </a:solidFill>
+                      <a:prstDash val="solid"/>
+                      <a:round/>
+                      <a:headEnd type="none" w="med" len="med"/>
+                      <a:tailEnd type="none" w="med" len="med"/>
+                    </a:lnR>
+                    <a:lnT w="12700" cap="flat" cmpd="sng" algn="ctr">
+                      <a:solidFill>
+                        <a:schemeClr val="bg1"/>
+                      </a:solidFill>
+                      <a:prstDash val="solid"/>
+                      <a:round/>
+                      <a:headEnd type="none" w="med" len="med"/>
+                      <a:tailEnd type="none" w="med" len="med"/>
+                    </a:lnT>
+                    <a:lnB w="12700" cap="flat" cmpd="sng" algn="ctr">
+                      <a:solidFill>
+                        <a:schemeClr val="bg1"/>
+                      </a:solidFill>
+                      <a:prstDash val="solid"/>
+                      <a:round/>
+                      <a:headEnd type="none" w="med" len="med"/>
+                      <a:tailEnd type="none" w="med" len="med"/>
+                    </a:lnB>
+                    <a:lnTlToBr>
+                      <a:noFill/>
+                    </a:lnTlToBr>
+                    <a:lnBlToTr>
+                      <a:noFill/>
+                    </a:lnBlToTr>
+                    <a:solidFill>
+                      <a:srgbClr val="FCECE7"/>
+                    </a:solidFill>
+                  </a:tcPr>
+                </a:tc>
+                <a:tc>
+                  <a:txBody>
+                    <a:bodyPr/>
+                    <a:lstStyle/>
+                    <a:p>
+                      <a:pPr marL="0" marR="0" lvl="0" indent="0" algn="l" defTabSz="914400" rtl="0" eaLnBrk="1" fontAlgn="base" latinLnBrk="0" hangingPunct="1">
+                        <a:lnSpc>
+                          <a:spcPct val="100000"/>
+                        </a:lnSpc>
+                        <a:spcBef>
+                          <a:spcPct val="0"/>
+                        </a:spcBef>
+                        <a:spcAft>
+                          <a:spcPct val="0"/>
+                        </a:spcAft>
+                        <a:buClrTx/>
+                        <a:buSzTx/>
+                        <a:buFontTx/>
+                        <a:buNone/>
+                        <a:tabLst/>
+                      </a:pPr>
+                      <a:endParaRPr kumimoji="0" lang="zh-CN" altLang="en-US" sz="1400" b="0" i="0" u="none" strike="noStrike" cap="none" normalizeH="0" baseline="0" dirty="0" smtClean="0">
                         <a:ln>
                           <a:noFill/>
                         </a:ln>

--- a/trunk/doc/sse4jt.pptx
+++ b/trunk/doc/sse4jt.pptx
@@ -5662,7 +5662,7 @@
                         <a:tabLst/>
                       </a:pPr>
                       <a:r>
-                        <a:rPr kumimoji="0" lang="zh-CN" altLang="en-US" sz="1400" b="0" i="0" u="none" strike="noStrike" cap="none" normalizeH="0" baseline="0" smtClean="0">
+                        <a:rPr kumimoji="0" lang="zh-CN" altLang="en-US" sz="1400" b="0" i="0" u="none" strike="noStrike" cap="none" normalizeH="0" baseline="0" dirty="0" smtClean="0">
                           <a:ln>
                             <a:noFill/>
                           </a:ln>
@@ -5904,7 +5904,7 @@
                       <a:noFill/>
                     </a:lnBlToTr>
                     <a:solidFill>
-                      <a:srgbClr val="F9D8CC"/>
+                      <a:srgbClr val="FCECE7"/>
                     </a:solidFill>
                   </a:tcPr>
                 </a:tc>
@@ -5989,7 +5989,7 @@
                       <a:noFill/>
                     </a:lnBlToTr>
                     <a:solidFill>
-                      <a:srgbClr val="F9D8CC"/>
+                      <a:srgbClr val="FCECE7"/>
                     </a:solidFill>
                   </a:tcPr>
                 </a:tc>
@@ -6071,7 +6071,7 @@
                       <a:noFill/>
                     </a:lnBlToTr>
                     <a:solidFill>
-                      <a:srgbClr val="F9D8CC"/>
+                      <a:srgbClr val="FCECE7"/>
                     </a:solidFill>
                   </a:tcPr>
                 </a:tc>
@@ -37847,7 +37847,7 @@
                         <a:tabLst/>
                       </a:pPr>
                       <a:r>
-                        <a:rPr kumimoji="0" lang="en-US" altLang="zh-CN" sz="1400" b="0" i="1" u="none" strike="noStrike" cap="none" normalizeH="0" baseline="0" smtClean="0">
+                        <a:rPr kumimoji="0" lang="en-US" altLang="zh-CN" sz="1400" b="0" i="1" u="none" strike="noStrike" cap="none" normalizeH="0" baseline="0" dirty="0" smtClean="0">
                           <a:ln>
                             <a:noFill/>
                           </a:ln>
@@ -38017,7 +38017,7 @@
                         <a:tabLst/>
                       </a:pPr>
                       <a:r>
-                        <a:rPr kumimoji="0" lang="zh-CN" altLang="en-US" sz="1400" b="0" i="0" u="none" strike="noStrike" cap="none" normalizeH="0" baseline="0" smtClean="0">
+                        <a:rPr kumimoji="0" lang="zh-CN" altLang="en-US" sz="1400" b="0" i="0" u="none" strike="noStrike" cap="none" normalizeH="0" baseline="0" dirty="0" smtClean="0">
                           <a:ln>
                             <a:noFill/>
                           </a:ln>
@@ -38101,7 +38101,7 @@
                         <a:buNone/>
                         <a:tabLst/>
                       </a:pPr>
-                      <a:endParaRPr kumimoji="0" lang="en-US" altLang="zh-CN" sz="1400" b="0" i="0" u="none" strike="noStrike" cap="none" normalizeH="0" baseline="0" smtClean="0">
+                      <a:endParaRPr kumimoji="0" lang="en-US" altLang="zh-CN" sz="1400" b="0" i="0" u="none" strike="noStrike" cap="none" normalizeH="0" baseline="0" dirty="0" smtClean="0">
                         <a:ln>
                           <a:noFill/>
                         </a:ln>
@@ -38271,7 +38271,7 @@
                         <a:tabLst/>
                       </a:pPr>
                       <a:r>
-                        <a:rPr kumimoji="0" lang="en-US" altLang="zh-CN" sz="1400" b="0" i="1" u="none" strike="noStrike" cap="none" normalizeH="0" baseline="0" smtClean="0">
+                        <a:rPr kumimoji="0" lang="en-US" altLang="zh-CN" sz="1400" b="0" i="1" u="none" strike="noStrike" cap="none" normalizeH="0" baseline="0" dirty="0" smtClean="0">
                           <a:ln>
                             <a:noFill/>
                           </a:ln>
@@ -38541,17 +38541,6 @@
                         </a:rPr>
                         <a:t>11</a:t>
                       </a:r>
-                      <a:endParaRPr kumimoji="0" lang="en-US" altLang="zh-CN" sz="1400" b="0" i="1" u="none" strike="noStrike" cap="none" normalizeH="0" baseline="0" dirty="0" smtClean="0">
-                        <a:ln>
-                          <a:noFill/>
-                        </a:ln>
-                        <a:solidFill>
-                          <a:srgbClr val="000000"/>
-                        </a:solidFill>
-                        <a:effectLst/>
-                        <a:latin typeface="Constantia" pitchFamily="18" charset="0"/>
-                        <a:ea typeface="华文新魏" pitchFamily="2" charset="-122"/>
-                      </a:endParaRPr>
                     </a:p>
                   </a:txBody>
                   <a:tcPr horzOverflow="overflow">
@@ -38598,7 +38587,7 @@
                       <a:noFill/>
                     </a:lnBlToTr>
                     <a:solidFill>
-                      <a:srgbClr val="FCECE7"/>
+                      <a:srgbClr val="F9D8CC"/>
                     </a:solidFill>
                   </a:tcPr>
                 </a:tc>
@@ -38683,7 +38672,7 @@
                       <a:noFill/>
                     </a:lnBlToTr>
                     <a:solidFill>
-                      <a:srgbClr val="FCECE7"/>
+                      <a:srgbClr val="F9D8CC"/>
                     </a:solidFill>
                   </a:tcPr>
                 </a:tc>
@@ -38768,7 +38757,7 @@
                       <a:noFill/>
                     </a:lnBlToTr>
                     <a:solidFill>
-                      <a:srgbClr val="FCECE7"/>
+                      <a:srgbClr val="F9D8CC"/>
                     </a:solidFill>
                   </a:tcPr>
                 </a:tc>
@@ -38850,7 +38839,7 @@
                       <a:noFill/>
                     </a:lnBlToTr>
                     <a:solidFill>
-                      <a:srgbClr val="FCECE7"/>
+                      <a:srgbClr val="F9D8CC"/>
                     </a:solidFill>
                   </a:tcPr>
                 </a:tc>
@@ -38891,17 +38880,6 @@
                         </a:rPr>
                         <a:t>12</a:t>
                       </a:r>
-                      <a:endParaRPr kumimoji="0" lang="en-US" altLang="zh-CN" sz="1400" b="0" i="1" u="none" strike="noStrike" cap="none" normalizeH="0" baseline="0" dirty="0" smtClean="0">
-                        <a:ln>
-                          <a:noFill/>
-                        </a:ln>
-                        <a:solidFill>
-                          <a:srgbClr val="000000"/>
-                        </a:solidFill>
-                        <a:effectLst/>
-                        <a:latin typeface="Constantia" pitchFamily="18" charset="0"/>
-                        <a:ea typeface="华文新魏" pitchFamily="2" charset="-122"/>
-                      </a:endParaRPr>
                     </a:p>
                   </a:txBody>
                   <a:tcPr horzOverflow="overflow">
@@ -41141,7 +41119,7 @@
                       <a:noFill/>
                     </a:lnBlToTr>
                     <a:solidFill>
-                      <a:srgbClr val="F9D8CC"/>
+                      <a:srgbClr val="FCECE7"/>
                     </a:solidFill>
                   </a:tcPr>
                 </a:tc>
@@ -41226,7 +41204,7 @@
                       <a:noFill/>
                     </a:lnBlToTr>
                     <a:solidFill>
-                      <a:srgbClr val="F9D8CC"/>
+                      <a:srgbClr val="FCECE7"/>
                     </a:solidFill>
                   </a:tcPr>
                 </a:tc>
@@ -41308,7 +41286,7 @@
                       <a:noFill/>
                     </a:lnBlToTr>
                     <a:solidFill>
-                      <a:srgbClr val="F9D8CC"/>
+                      <a:srgbClr val="FCECE7"/>
                     </a:solidFill>
                   </a:tcPr>
                 </a:tc>
@@ -43891,7 +43869,7 @@
                         <a:tabLst/>
                       </a:pPr>
                       <a:r>
-                        <a:rPr kumimoji="0" lang="zh-CN" altLang="en-US" sz="1400" b="0" i="0" u="none" strike="noStrike" cap="none" normalizeH="0" baseline="0" smtClean="0">
+                        <a:rPr kumimoji="0" lang="zh-CN" altLang="en-US" sz="1400" b="0" i="0" u="none" strike="noStrike" cap="none" normalizeH="0" baseline="0" dirty="0" smtClean="0">
                           <a:ln>
                             <a:noFill/>
                           </a:ln>
@@ -44133,7 +44111,7 @@
                       <a:noFill/>
                     </a:lnBlToTr>
                     <a:solidFill>
-                      <a:srgbClr val="FCECE7"/>
+                      <a:srgbClr val="F9D8CC"/>
                     </a:solidFill>
                   </a:tcPr>
                 </a:tc>
@@ -44218,7 +44196,7 @@
                       <a:noFill/>
                     </a:lnBlToTr>
                     <a:solidFill>
-                      <a:srgbClr val="FCECE7"/>
+                      <a:srgbClr val="F9D8CC"/>
                     </a:solidFill>
                   </a:tcPr>
                 </a:tc>
@@ -44300,7 +44278,7 @@
                       <a:noFill/>
                     </a:lnBlToTr>
                     <a:solidFill>
-                      <a:srgbClr val="FCECE7"/>
+                      <a:srgbClr val="F9D8CC"/>
                     </a:solidFill>
                   </a:tcPr>
                 </a:tc>

--- a/trunk/doc/sse4jt.pptx
+++ b/trunk/doc/sse4jt.pptx
@@ -268,7 +268,7 @@
               <a:pPr>
                 <a:defRPr/>
               </a:pPr>
-              <a:t>11/21/2011</a:t>
+              <a:t>11/28/2012</a:t>
             </a:fld>
             <a:endParaRPr lang="en-US" altLang="zh-CN"/>
           </a:p>
@@ -1097,7 +1097,7 @@
               <a:pPr>
                 <a:defRPr/>
               </a:pPr>
-              <a:t>11/21/2011</a:t>
+              <a:t>11/28/2012</a:t>
             </a:fld>
             <a:endParaRPr lang="en-US" altLang="zh-CN"/>
           </a:p>
@@ -1289,7 +1289,7 @@
               <a:pPr>
                 <a:defRPr/>
               </a:pPr>
-              <a:t>11/21/2011</a:t>
+              <a:t>11/28/2012</a:t>
             </a:fld>
             <a:endParaRPr lang="en-US" altLang="zh-CN"/>
           </a:p>
@@ -1491,7 +1491,7 @@
               <a:pPr>
                 <a:defRPr/>
               </a:pPr>
-              <a:t>11/21/2011</a:t>
+              <a:t>11/28/2012</a:t>
             </a:fld>
             <a:endParaRPr lang="en-US" altLang="zh-CN"/>
           </a:p>
@@ -1661,7 +1661,7 @@
               <a:pPr>
                 <a:defRPr/>
               </a:pPr>
-              <a:t>11/21/2011</a:t>
+              <a:t>11/28/2012</a:t>
             </a:fld>
             <a:endParaRPr lang="en-US" altLang="zh-CN"/>
           </a:p>
@@ -1853,7 +1853,7 @@
               <a:pPr>
                 <a:defRPr/>
               </a:pPr>
-              <a:t>11/21/2011</a:t>
+              <a:t>11/28/2012</a:t>
             </a:fld>
             <a:endParaRPr lang="en-US" altLang="zh-CN"/>
           </a:p>
@@ -2121,7 +2121,7 @@
               <a:pPr>
                 <a:defRPr/>
               </a:pPr>
-              <a:t>11/21/2011</a:t>
+              <a:t>11/28/2012</a:t>
             </a:fld>
             <a:endParaRPr lang="en-US" altLang="zh-CN"/>
           </a:p>
@@ -2431,7 +2431,7 @@
               <a:pPr>
                 <a:defRPr/>
               </a:pPr>
-              <a:t>11/21/2011</a:t>
+              <a:t>11/28/2012</a:t>
             </a:fld>
             <a:endParaRPr lang="en-US" altLang="zh-CN"/>
           </a:p>
@@ -2887,7 +2887,7 @@
               <a:pPr>
                 <a:defRPr/>
               </a:pPr>
-              <a:t>11/21/2011</a:t>
+              <a:t>11/28/2012</a:t>
             </a:fld>
             <a:endParaRPr lang="en-US" altLang="zh-CN"/>
           </a:p>
@@ -3027,7 +3027,7 @@
               <a:pPr>
                 <a:defRPr/>
               </a:pPr>
-              <a:t>11/21/2011</a:t>
+              <a:t>11/28/2012</a:t>
             </a:fld>
             <a:endParaRPr lang="en-US" altLang="zh-CN"/>
           </a:p>
@@ -3144,7 +3144,7 @@
               <a:pPr>
                 <a:defRPr/>
               </a:pPr>
-              <a:t>11/21/2011</a:t>
+              <a:t>11/28/2012</a:t>
             </a:fld>
             <a:endParaRPr lang="en-US" altLang="zh-CN"/>
           </a:p>
@@ -3443,7 +3443,7 @@
               <a:pPr>
                 <a:defRPr/>
               </a:pPr>
-              <a:t>11/21/2011</a:t>
+              <a:t>11/28/2012</a:t>
             </a:fld>
             <a:endParaRPr lang="en-US" altLang="zh-CN"/>
           </a:p>
@@ -3725,7 +3725,7 @@
               <a:pPr>
                 <a:defRPr/>
               </a:pPr>
-              <a:t>11/21/2011</a:t>
+              <a:t>11/28/2012</a:t>
             </a:fld>
             <a:endParaRPr lang="en-US" altLang="zh-CN"/>
           </a:p>
@@ -3978,7 +3978,7 @@
               <a:pPr>
                 <a:defRPr/>
               </a:pPr>
-              <a:t>11/21/2011</a:t>
+              <a:t>11/28/2012</a:t>
             </a:fld>
             <a:endParaRPr lang="en-US" altLang="zh-CN"/>
           </a:p>
@@ -26217,7 +26217,7 @@
                 <a:ea typeface="宋体" pitchFamily="2" charset="-122"/>
                 <a:cs typeface="Arial" pitchFamily="34" charset="0"/>
               </a:rPr>
-              <a:t>\sse4j</a:t>
+              <a:t>/sse4j</a:t>
             </a:r>
             <a:r>
               <a:rPr lang="zh-CN" altLang="en-US" dirty="0" smtClean="0">
@@ -26233,7 +26233,7 @@
                 <a:ea typeface="宋体" pitchFamily="2" charset="-122"/>
                 <a:cs typeface="Arial" pitchFamily="34" charset="0"/>
               </a:rPr>
-              <a:t>Tomcat6</a:t>
+              <a:t>Tomcat</a:t>
             </a:r>
             <a:r>
               <a:rPr lang="zh-CN" altLang="en-US" dirty="0" smtClean="0">
@@ -26257,90 +26257,7 @@
                 <a:ea typeface="宋体" pitchFamily="2" charset="-122"/>
                 <a:cs typeface="Arial" pitchFamily="34" charset="0"/>
               </a:rPr>
-              <a:t>目录下（或者利用</a:t>
-            </a:r>
-            <a:r>
-              <a:rPr lang="en-US" altLang="zh-CN" dirty="0" err="1" smtClean="0">
-                <a:latin typeface="宋体" pitchFamily="2" charset="-122"/>
-                <a:ea typeface="宋体" pitchFamily="2" charset="-122"/>
-                <a:cs typeface="Arial" pitchFamily="34" charset="0"/>
-              </a:rPr>
-              <a:t>MyEclipse</a:t>
-            </a:r>
-            <a:r>
-              <a:rPr lang="zh-CN" altLang="en-US" dirty="0" smtClean="0">
-                <a:latin typeface="宋体" pitchFamily="2" charset="-122"/>
-                <a:ea typeface="宋体" pitchFamily="2" charset="-122"/>
-                <a:cs typeface="Arial" pitchFamily="34" charset="0"/>
-              </a:rPr>
-              <a:t>直接将</a:t>
-            </a:r>
-            <a:r>
-              <a:rPr lang="en-US" altLang="zh-CN" dirty="0" smtClean="0">
-                <a:latin typeface="宋体" pitchFamily="2" charset="-122"/>
-                <a:ea typeface="宋体" pitchFamily="2" charset="-122"/>
-                <a:cs typeface="Arial" pitchFamily="34" charset="0"/>
-              </a:rPr>
-              <a:t>sse4j.ws</a:t>
-            </a:r>
-            <a:r>
-              <a:rPr lang="zh-CN" altLang="en-US" dirty="0" smtClean="0">
-                <a:latin typeface="宋体" pitchFamily="2" charset="-122"/>
-                <a:ea typeface="宋体" pitchFamily="2" charset="-122"/>
-                <a:cs typeface="Arial" pitchFamily="34" charset="0"/>
-              </a:rPr>
-              <a:t>工程部署到</a:t>
-            </a:r>
-            <a:r>
-              <a:rPr lang="en-US" altLang="zh-CN" dirty="0" smtClean="0">
-                <a:latin typeface="宋体" pitchFamily="2" charset="-122"/>
-                <a:ea typeface="宋体" pitchFamily="2" charset="-122"/>
-                <a:cs typeface="Arial" pitchFamily="34" charset="0"/>
-              </a:rPr>
-              <a:t>Tomcat6</a:t>
-            </a:r>
-            <a:r>
-              <a:rPr lang="zh-CN" altLang="en-US" dirty="0" smtClean="0">
-                <a:latin typeface="宋体" pitchFamily="2" charset="-122"/>
-                <a:ea typeface="宋体" pitchFamily="2" charset="-122"/>
-                <a:cs typeface="Arial" pitchFamily="34" charset="0"/>
-              </a:rPr>
-              <a:t>的</a:t>
-            </a:r>
-            <a:r>
-              <a:rPr lang="en-US" altLang="zh-CN" dirty="0" err="1" smtClean="0">
-                <a:latin typeface="宋体" pitchFamily="2" charset="-122"/>
-                <a:ea typeface="宋体" pitchFamily="2" charset="-122"/>
-                <a:cs typeface="Arial" pitchFamily="34" charset="0"/>
-              </a:rPr>
-              <a:t>webapps</a:t>
-            </a:r>
-            <a:r>
-              <a:rPr lang="zh-CN" altLang="en-US" dirty="0" smtClean="0">
-                <a:latin typeface="宋体" pitchFamily="2" charset="-122"/>
-                <a:ea typeface="宋体" pitchFamily="2" charset="-122"/>
-                <a:cs typeface="Arial" pitchFamily="34" charset="0"/>
-              </a:rPr>
-              <a:t>目录下），文件夹命名为“</a:t>
-            </a:r>
-            <a:r>
-              <a:rPr lang="en-US" altLang="zh-CN" dirty="0" smtClean="0">
-                <a:solidFill>
-                  <a:srgbClr val="C00000"/>
-                </a:solidFill>
-                <a:latin typeface="宋体" pitchFamily="2" charset="-122"/>
-                <a:ea typeface="宋体" pitchFamily="2" charset="-122"/>
-                <a:cs typeface="Arial" pitchFamily="34" charset="0"/>
-              </a:rPr>
-              <a:t>sse4j</a:t>
-            </a:r>
-            <a:r>
-              <a:rPr lang="zh-CN" altLang="en-US" dirty="0" smtClean="0">
-                <a:latin typeface="宋体" pitchFamily="2" charset="-122"/>
-                <a:ea typeface="宋体" pitchFamily="2" charset="-122"/>
-                <a:cs typeface="Arial" pitchFamily="34" charset="0"/>
-              </a:rPr>
-              <a:t>”；</a:t>
+              <a:t>目录下；</a:t>
             </a:r>
             <a:endParaRPr lang="en-US" altLang="zh-CN" dirty="0" smtClean="0">
               <a:latin typeface="宋体" pitchFamily="2" charset="-122"/>
@@ -26365,7 +26282,7 @@
                 <a:ea typeface="宋体" pitchFamily="2" charset="-122"/>
                 <a:cs typeface="Arial" pitchFamily="34" charset="0"/>
               </a:rPr>
-              <a:t>根据</a:t>
+              <a:t>修改</a:t>
             </a:r>
             <a:r>
               <a:rPr lang="en-US" altLang="zh-CN" dirty="0" smtClean="0">
@@ -26373,7 +26290,83 @@
                 <a:ea typeface="宋体" pitchFamily="2" charset="-122"/>
                 <a:cs typeface="Arial" pitchFamily="34" charset="0"/>
               </a:rPr>
-              <a:t>\sse4j\WEB-INF\</a:t>
+              <a:t>Tomcat/conf/server.xml</a:t>
+            </a:r>
+            <a:r>
+              <a:rPr lang="zh-CN" altLang="en-US" dirty="0" smtClean="0">
+                <a:latin typeface="宋体" pitchFamily="2" charset="-122"/>
+                <a:ea typeface="宋体" pitchFamily="2" charset="-122"/>
+                <a:cs typeface="Arial" pitchFamily="34" charset="0"/>
+              </a:rPr>
+              <a:t>，</a:t>
+            </a:r>
+            <a:r>
+              <a:rPr lang="en-US" altLang="zh-CN" dirty="0" smtClean="0">
+                <a:solidFill>
+                  <a:srgbClr val="FF0000"/>
+                </a:solidFill>
+                <a:latin typeface="宋体" pitchFamily="2" charset="-122"/>
+                <a:ea typeface="宋体" pitchFamily="2" charset="-122"/>
+                <a:cs typeface="Arial" pitchFamily="34" charset="0"/>
+              </a:rPr>
+              <a:t>&lt;Connector port</a:t>
+            </a:r>
+            <a:r>
+              <a:rPr lang="en-US" altLang="zh-CN" dirty="0" smtClean="0">
+                <a:solidFill>
+                  <a:srgbClr val="FF0000"/>
+                </a:solidFill>
+                <a:latin typeface="宋体" pitchFamily="2" charset="-122"/>
+                <a:ea typeface="宋体" pitchFamily="2" charset="-122"/>
+                <a:cs typeface="Arial" pitchFamily="34" charset="0"/>
+              </a:rPr>
+              <a:t>=“8080” </a:t>
+            </a:r>
+            <a:r>
+              <a:rPr lang="en-US" altLang="zh-CN" dirty="0" err="1" smtClean="0">
+                <a:solidFill>
+                  <a:srgbClr val="FF0000"/>
+                </a:solidFill>
+                <a:latin typeface="宋体" pitchFamily="2" charset="-122"/>
+                <a:ea typeface="宋体" pitchFamily="2" charset="-122"/>
+                <a:cs typeface="Arial" pitchFamily="34" charset="0"/>
+              </a:rPr>
+              <a:t>URIEncoding</a:t>
+            </a:r>
+            <a:r>
+              <a:rPr lang="en-US" altLang="zh-CN" dirty="0" smtClean="0">
+                <a:solidFill>
+                  <a:srgbClr val="FF0000"/>
+                </a:solidFill>
+                <a:latin typeface="宋体" pitchFamily="2" charset="-122"/>
+                <a:ea typeface="宋体" pitchFamily="2" charset="-122"/>
+                <a:cs typeface="Arial" pitchFamily="34" charset="0"/>
+              </a:rPr>
+              <a:t>=“UTF-8”/&gt;</a:t>
+            </a:r>
+            <a:r>
+              <a:rPr lang="zh-CN" altLang="en-US" dirty="0" smtClean="0">
+                <a:latin typeface="宋体" pitchFamily="2" charset="-122"/>
+                <a:ea typeface="宋体" pitchFamily="2" charset="-122"/>
+                <a:cs typeface="Arial" pitchFamily="34" charset="0"/>
+              </a:rPr>
+              <a:t>（如果端口非</a:t>
+            </a:r>
+            <a:r>
+              <a:rPr lang="en-US" altLang="zh-CN" dirty="0" smtClean="0">
+                <a:latin typeface="宋体" pitchFamily="2" charset="-122"/>
+                <a:ea typeface="宋体" pitchFamily="2" charset="-122"/>
+                <a:cs typeface="Arial" pitchFamily="34" charset="0"/>
+              </a:rPr>
+              <a:t>8080</a:t>
+            </a:r>
+            <a:r>
+              <a:rPr lang="zh-CN" altLang="en-US" dirty="0" smtClean="0">
+                <a:latin typeface="宋体" pitchFamily="2" charset="-122"/>
+                <a:ea typeface="宋体" pitchFamily="2" charset="-122"/>
+                <a:cs typeface="Arial" pitchFamily="34" charset="0"/>
+              </a:rPr>
+              <a:t>，需修改</a:t>
             </a:r>
             <a:r>
               <a:rPr lang="en-US" altLang="zh-CN" dirty="0" err="1" smtClean="0">
@@ -26381,7 +26374,7 @@
                 <a:ea typeface="宋体" pitchFamily="2" charset="-122"/>
                 <a:cs typeface="Arial" pitchFamily="34" charset="0"/>
               </a:rPr>
-              <a:t>cfg</a:t>
+              <a:t>webapps</a:t>
             </a:r>
             <a:r>
               <a:rPr lang="en-US" altLang="zh-CN" dirty="0" smtClean="0">
@@ -26389,7 +26382,23 @@
                 <a:ea typeface="宋体" pitchFamily="2" charset="-122"/>
                 <a:cs typeface="Arial" pitchFamily="34" charset="0"/>
               </a:rPr>
-              <a:t>\navi.xml</a:t>
+              <a:t>/sse4j/</a:t>
+            </a:r>
+            <a:r>
+              <a:rPr lang="en-US" altLang="zh-CN" dirty="0" err="1" smtClean="0">
+                <a:latin typeface="宋体" pitchFamily="2" charset="-122"/>
+                <a:ea typeface="宋体" pitchFamily="2" charset="-122"/>
+                <a:cs typeface="Arial" pitchFamily="34" charset="0"/>
+              </a:rPr>
+              <a:t>js</a:t>
+            </a:r>
+            <a:r>
+              <a:rPr lang="en-US" altLang="zh-CN" dirty="0" smtClean="0">
+                <a:latin typeface="宋体" pitchFamily="2" charset="-122"/>
+                <a:ea typeface="宋体" pitchFamily="2" charset="-122"/>
+                <a:cs typeface="Arial" pitchFamily="34" charset="0"/>
+              </a:rPr>
+              <a:t>/sse4j.js</a:t>
             </a:r>
             <a:r>
               <a:rPr lang="zh-CN" altLang="en-US" dirty="0" smtClean="0">
@@ -26397,7 +26406,48 @@
                 <a:ea typeface="宋体" pitchFamily="2" charset="-122"/>
                 <a:cs typeface="Arial" pitchFamily="34" charset="0"/>
               </a:rPr>
-              <a:t>数据配置路径将</a:t>
+              <a:t>）</a:t>
+            </a:r>
+            <a:r>
+              <a:rPr lang="zh-CN" altLang="en-US" dirty="0" smtClean="0">
+                <a:latin typeface="宋体" pitchFamily="2" charset="-122"/>
+                <a:ea typeface="宋体" pitchFamily="2" charset="-122"/>
+                <a:cs typeface="Arial" pitchFamily="34" charset="0"/>
+              </a:rPr>
+              <a:t>；</a:t>
+            </a:r>
+            <a:endParaRPr lang="en-US" altLang="zh-CN" dirty="0" smtClean="0">
+              <a:latin typeface="宋体" pitchFamily="2" charset="-122"/>
+              <a:ea typeface="宋体" pitchFamily="2" charset="-122"/>
+              <a:cs typeface="Arial" pitchFamily="34" charset="0"/>
+            </a:endParaRPr>
+          </a:p>
+          <a:p>
+            <a:pPr marL="800100" lvl="1" indent="-342900" eaLnBrk="0" hangingPunct="0">
+              <a:lnSpc>
+                <a:spcPct val="110000"/>
+              </a:lnSpc>
+              <a:spcBef>
+                <a:spcPct val="20000"/>
+              </a:spcBef>
+              <a:buFont typeface="Wingdings" pitchFamily="2" charset="2"/>
+              <a:buChar char="n"/>
+            </a:pPr>
+            <a:r>
+              <a:rPr lang="zh-CN" altLang="en-US" dirty="0" smtClean="0">
+                <a:latin typeface="宋体" pitchFamily="2" charset="-122"/>
+                <a:ea typeface="宋体" pitchFamily="2" charset="-122"/>
+                <a:cs typeface="Arial" pitchFamily="34" charset="0"/>
+              </a:rPr>
+              <a:t>根据</a:t>
+            </a:r>
+            <a:r>
+              <a:rPr lang="en-US" altLang="zh-CN" dirty="0" err="1" smtClean="0">
+                <a:latin typeface="宋体" pitchFamily="2" charset="-122"/>
+                <a:ea typeface="宋体" pitchFamily="2" charset="-122"/>
+                <a:cs typeface="Arial" pitchFamily="34" charset="0"/>
+              </a:rPr>
+              <a:t>webapps</a:t>
             </a:r>
             <a:r>
               <a:rPr lang="en-US" altLang="zh-CN" dirty="0" smtClean="0">
@@ -26405,7 +26455,7 @@
                 <a:ea typeface="宋体" pitchFamily="2" charset="-122"/>
                 <a:cs typeface="Arial" pitchFamily="34" charset="0"/>
               </a:rPr>
-              <a:t>sse4j</a:t>
+              <a:t>/sse4j/WEB-INF/classes/navi.xml</a:t>
             </a:r>
             <a:r>
               <a:rPr lang="zh-CN" altLang="en-US" dirty="0" smtClean="0">
@@ -26413,7 +26463,37 @@
                 <a:ea typeface="宋体" pitchFamily="2" charset="-122"/>
                 <a:cs typeface="Arial" pitchFamily="34" charset="0"/>
               </a:rPr>
-              <a:t>工程下的</a:t>
+              <a:t>数据配置路径将</a:t>
+            </a:r>
+            <a:r>
+              <a:rPr lang="en-US" altLang="zh-CN" dirty="0" smtClean="0">
+                <a:solidFill>
+                  <a:srgbClr val="FF0000"/>
+                </a:solidFill>
+                <a:latin typeface="宋体" pitchFamily="2" charset="-122"/>
+                <a:ea typeface="宋体" pitchFamily="2" charset="-122"/>
+                <a:cs typeface="Arial" pitchFamily="34" charset="0"/>
+              </a:rPr>
+              <a:t>data</a:t>
+            </a:r>
+            <a:r>
+              <a:rPr lang="zh-CN" altLang="en-US" dirty="0" smtClean="0">
+                <a:solidFill>
+                  <a:srgbClr val="FF0000"/>
+                </a:solidFill>
+                <a:latin typeface="宋体" pitchFamily="2" charset="-122"/>
+                <a:ea typeface="宋体" pitchFamily="2" charset="-122"/>
+                <a:cs typeface="Arial" pitchFamily="34" charset="0"/>
+              </a:rPr>
+              <a:t>目录</a:t>
+            </a:r>
+            <a:r>
+              <a:rPr lang="zh-CN" altLang="en-US" dirty="0" smtClean="0">
+                <a:latin typeface="宋体" pitchFamily="2" charset="-122"/>
+                <a:ea typeface="宋体" pitchFamily="2" charset="-122"/>
+                <a:cs typeface="Arial" pitchFamily="34" charset="0"/>
+              </a:rPr>
+              <a:t>复制到对应目录下（默认为</a:t>
             </a:r>
             <a:r>
               <a:rPr lang="en-US" altLang="zh-CN" dirty="0" smtClean="0">
@@ -26421,7 +26501,7 @@
                 <a:ea typeface="宋体" pitchFamily="2" charset="-122"/>
                 <a:cs typeface="Arial" pitchFamily="34" charset="0"/>
               </a:rPr>
-              <a:t>\sse4j\data</a:t>
+              <a:t>Windows</a:t>
             </a:r>
             <a:r>
               <a:rPr lang="zh-CN" altLang="en-US" dirty="0" smtClean="0">
@@ -26429,7 +26509,7 @@
                 <a:ea typeface="宋体" pitchFamily="2" charset="-122"/>
                 <a:cs typeface="Arial" pitchFamily="34" charset="0"/>
               </a:rPr>
-              <a:t>目录复制到对应目录下（默认为</a:t>
+              <a:t>环境</a:t>
             </a:r>
             <a:r>
               <a:rPr lang="en-US" altLang="zh-CN" dirty="0" smtClean="0">
@@ -26437,23 +26517,7 @@
                 <a:ea typeface="宋体" pitchFamily="2" charset="-122"/>
                 <a:cs typeface="Arial" pitchFamily="34" charset="0"/>
               </a:rPr>
-              <a:t>Windows</a:t>
-            </a:r>
-            <a:r>
-              <a:rPr lang="zh-CN" altLang="en-US" dirty="0" smtClean="0">
-                <a:latin typeface="宋体" pitchFamily="2" charset="-122"/>
-                <a:ea typeface="宋体" pitchFamily="2" charset="-122"/>
-                <a:cs typeface="Arial" pitchFamily="34" charset="0"/>
-              </a:rPr>
-              <a:t>环境</a:t>
-            </a:r>
-            <a:r>
-              <a:rPr lang="en-US" altLang="zh-CN" dirty="0" smtClean="0">
-                <a:latin typeface="宋体" pitchFamily="2" charset="-122"/>
-                <a:ea typeface="宋体" pitchFamily="2" charset="-122"/>
-                <a:cs typeface="Arial" pitchFamily="34" charset="0"/>
-              </a:rPr>
-              <a:t>d:\</a:t>
+              <a:t>d:/</a:t>
             </a:r>
             <a:r>
               <a:rPr lang="zh-CN" altLang="en-US" dirty="0" smtClean="0">
